--- a/liana52简介.pptx
+++ b/liana52简介.pptx
@@ -5,20 +5,21 @@
     <p:sldMasterId id="2147483648" r:id="rId1"/>
   </p:sldMasterIdLst>
   <p:notesMasterIdLst>
-    <p:notesMasterId r:id="rId10"/>
+    <p:notesMasterId r:id="rId11"/>
   </p:notesMasterIdLst>
   <p:handoutMasterIdLst>
-    <p:handoutMasterId r:id="rId11"/>
+    <p:handoutMasterId r:id="rId12"/>
   </p:handoutMasterIdLst>
   <p:sldIdLst>
     <p:sldId id="256" r:id="rId2"/>
     <p:sldId id="268" r:id="rId3"/>
-    <p:sldId id="272" r:id="rId4"/>
-    <p:sldId id="286" r:id="rId5"/>
-    <p:sldId id="290" r:id="rId6"/>
-    <p:sldId id="288" r:id="rId7"/>
+    <p:sldId id="291" r:id="rId4"/>
+    <p:sldId id="272" r:id="rId5"/>
+    <p:sldId id="286" r:id="rId6"/>
+    <p:sldId id="290" r:id="rId7"/>
     <p:sldId id="289" r:id="rId8"/>
-    <p:sldId id="287" r:id="rId9"/>
+    <p:sldId id="288" r:id="rId9"/>
+    <p:sldId id="287" r:id="rId10"/>
   </p:sldIdLst>
   <p:sldSz cx="9144000" cy="5143500" type="screen16x9"/>
   <p:notesSz cx="6858000" cy="9144000"/>
@@ -203,7 +204,7 @@
             <a:fld id="{2CA8C291-DDB3-40C5-A71D-15D07A0859D1}" type="datetimeFigureOut">
               <a:rPr lang="zh-CN" altLang="en-US" smtClean="0"/>
               <a:pPr/>
-              <a:t>2015/2/2</a:t>
+              <a:t>15/3/27</a:t>
             </a:fld>
             <a:endParaRPr lang="zh-CN" altLang="en-US"/>
           </a:p>
@@ -279,7 +280,7 @@
     </p:spTree>
     <p:extLst>
       <p:ext uri="{BB962C8B-B14F-4D97-AF65-F5344CB8AC3E}">
-        <p14:creationId xmlns="" xmlns:p14="http://schemas.microsoft.com/office/powerpoint/2010/main" val="2231071566"/>
+        <p14:creationId xmlns:p14="http://schemas.microsoft.com/office/powerpoint/2010/main" val="2231071566"/>
       </p:ext>
     </p:extLst>
   </p:cSld>
@@ -370,7 +371,7 @@
             <a:fld id="{53696248-734B-42EE-BD83-9028CFB750D8}" type="datetimeFigureOut">
               <a:rPr lang="zh-CN" altLang="en-US" smtClean="0"/>
               <a:pPr/>
-              <a:t>2015/2/2</a:t>
+              <a:t>15/3/27</a:t>
             </a:fld>
             <a:endParaRPr lang="zh-CN" altLang="en-US"/>
           </a:p>
@@ -539,7 +540,7 @@
     </p:spTree>
     <p:extLst>
       <p:ext uri="{BB962C8B-B14F-4D97-AF65-F5344CB8AC3E}">
-        <p14:creationId xmlns="" xmlns:p14="http://schemas.microsoft.com/office/powerpoint/2010/main" val="2464273220"/>
+        <p14:creationId xmlns:p14="http://schemas.microsoft.com/office/powerpoint/2010/main" val="2464273220"/>
       </p:ext>
     </p:extLst>
   </p:cSld>
@@ -714,7 +715,7 @@
     </p:spTree>
     <p:extLst>
       <p:ext uri="{BB962C8B-B14F-4D97-AF65-F5344CB8AC3E}">
-        <p14:creationId xmlns="" xmlns:p14="http://schemas.microsoft.com/office/powerpoint/2010/main" val="3451602886"/>
+        <p14:creationId xmlns:p14="http://schemas.microsoft.com/office/powerpoint/2010/main" val="3451602886"/>
       </p:ext>
     </p:extLst>
   </p:cSld>
@@ -753,7 +754,7 @@
           <a:blip r:embed="rId2">
             <a:extLst>
               <a:ext uri="{28A0092B-C50C-407E-A947-70E740481C1C}">
-                <a14:useLocalDpi xmlns="" xmlns:a14="http://schemas.microsoft.com/office/drawing/2010/main" val="0"/>
+                <a14:useLocalDpi xmlns:a14="http://schemas.microsoft.com/office/drawing/2010/main" val="0"/>
               </a:ext>
             </a:extLst>
           </a:blip>
@@ -772,8 +773,8 @@
           </a:prstGeom>
           <a:noFill/>
           <a:extLst>
-            <a:ext uri="{909E8E84-426E-40DD-AFC4-6F175D3DCCD1}">
-              <a14:hiddenFill xmlns="" xmlns:a14="http://schemas.microsoft.com/office/drawing/2010/main">
+            <a:ext uri="{909E8E84-426E-40dd-AFC4-6F175D3DCCD1}">
+              <a14:hiddenFill xmlns:a14="http://schemas.microsoft.com/office/drawing/2010/main">
                 <a:solidFill>
                   <a:srgbClr val="FFFFFF"/>
                 </a:solidFill>
@@ -947,7 +948,7 @@
             <a:fld id="{530820CF-B880-4189-942D-D702A7CBA730}" type="datetimeFigureOut">
               <a:rPr lang="zh-CN" altLang="en-US" smtClean="0"/>
               <a:pPr/>
-              <a:t>2015/2/2</a:t>
+              <a:t>15/3/27</a:t>
             </a:fld>
             <a:endParaRPr lang="zh-CN" altLang="en-US"/>
           </a:p>
@@ -1004,7 +1005,7 @@
   <p:timing>
     <p:tnLst>
       <p:par>
-        <p:cTn id="1" dur="indefinite" restart="never" nodeType="tmRoot"/>
+        <p:cTn xmlns:p14="http://schemas.microsoft.com/office/powerpoint/2010/main" id="1" dur="indefinite" restart="never" nodeType="tmRoot"/>
       </p:par>
     </p:tnLst>
   </p:timing>
@@ -1121,7 +1122,7 @@
             <a:fld id="{530820CF-B880-4189-942D-D702A7CBA730}" type="datetimeFigureOut">
               <a:rPr lang="zh-CN" altLang="en-US" smtClean="0"/>
               <a:pPr/>
-              <a:t>2015/2/2</a:t>
+              <a:t>15/3/27</a:t>
             </a:fld>
             <a:endParaRPr lang="zh-CN" altLang="en-US"/>
           </a:p>
@@ -1298,7 +1299,7 @@
             <a:fld id="{530820CF-B880-4189-942D-D702A7CBA730}" type="datetimeFigureOut">
               <a:rPr lang="zh-CN" altLang="en-US" smtClean="0"/>
               <a:pPr/>
-              <a:t>2015/2/2</a:t>
+              <a:t>15/3/27</a:t>
             </a:fld>
             <a:endParaRPr lang="zh-CN" altLang="en-US"/>
           </a:p>
@@ -1384,7 +1385,7 @@
           <a:blip r:embed="rId2">
             <a:extLst>
               <a:ext uri="{28A0092B-C50C-407E-A947-70E740481C1C}">
-                <a14:useLocalDpi xmlns="" xmlns:a14="http://schemas.microsoft.com/office/drawing/2010/main" val="0"/>
+                <a14:useLocalDpi xmlns:a14="http://schemas.microsoft.com/office/drawing/2010/main" val="0"/>
               </a:ext>
             </a:extLst>
           </a:blip>
@@ -1403,8 +1404,8 @@
           </a:prstGeom>
           <a:noFill/>
           <a:extLst>
-            <a:ext uri="{909E8E84-426E-40DD-AFC4-6F175D3DCCD1}">
-              <a14:hiddenFill xmlns="" xmlns:a14="http://schemas.microsoft.com/office/drawing/2010/main">
+            <a:ext uri="{909E8E84-426E-40dd-AFC4-6F175D3DCCD1}">
+              <a14:hiddenFill xmlns:a14="http://schemas.microsoft.com/office/drawing/2010/main">
                 <a:solidFill>
                   <a:srgbClr val="FFFFFF"/>
                 </a:solidFill>
@@ -1691,7 +1692,7 @@
             </a:duotone>
             <a:extLst>
               <a:ext uri="{28A0092B-C50C-407E-A947-70E740481C1C}">
-                <a14:useLocalDpi xmlns="" xmlns:a14="http://schemas.microsoft.com/office/drawing/2010/main" val="0"/>
+                <a14:useLocalDpi xmlns:a14="http://schemas.microsoft.com/office/drawing/2010/main" val="0"/>
               </a:ext>
             </a:extLst>
           </a:blip>
@@ -1710,8 +1711,8 @@
           </a:prstGeom>
           <a:noFill/>
           <a:extLst>
-            <a:ext uri="{909E8E84-426E-40DD-AFC4-6F175D3DCCD1}">
-              <a14:hiddenFill xmlns="" xmlns:a14="http://schemas.microsoft.com/office/drawing/2010/main">
+            <a:ext uri="{909E8E84-426E-40dd-AFC4-6F175D3DCCD1}">
+              <a14:hiddenFill xmlns:a14="http://schemas.microsoft.com/office/drawing/2010/main">
                 <a:solidFill>
                   <a:srgbClr val="FFFFFF"/>
                 </a:solidFill>
@@ -1741,7 +1742,7 @@
             </a:duotone>
             <a:extLst>
               <a:ext uri="{28A0092B-C50C-407E-A947-70E740481C1C}">
-                <a14:useLocalDpi xmlns="" xmlns:a14="http://schemas.microsoft.com/office/drawing/2010/main" val="0"/>
+                <a14:useLocalDpi xmlns:a14="http://schemas.microsoft.com/office/drawing/2010/main" val="0"/>
               </a:ext>
             </a:extLst>
           </a:blip>
@@ -1760,8 +1761,8 @@
           </a:prstGeom>
           <a:noFill/>
           <a:extLst>
-            <a:ext uri="{909E8E84-426E-40DD-AFC4-6F175D3DCCD1}">
-              <a14:hiddenFill xmlns="" xmlns:a14="http://schemas.microsoft.com/office/drawing/2010/main">
+            <a:ext uri="{909E8E84-426E-40dd-AFC4-6F175D3DCCD1}">
+              <a14:hiddenFill xmlns:a14="http://schemas.microsoft.com/office/drawing/2010/main">
                 <a:solidFill>
                   <a:srgbClr val="FFFFFF"/>
                 </a:solidFill>
@@ -1827,25 +1828,7 @@
                 <a:ea typeface="微软雅黑" pitchFamily="34" charset="-122"/>
                 <a:cs typeface="+mn-cs"/>
               </a:rPr>
-              <a:t>互联网金融服务平台功能及</a:t>
-            </a:r>
-            <a:r>
-              <a:rPr lang="zh-CN" altLang="en-US" sz="1200" b="0" kern="1200" dirty="0" smtClean="0">
-                <a:solidFill>
-                  <a:schemeClr val="bg1"/>
-                </a:solidFill>
-                <a:effectLst>
-                  <a:outerShdw blurRad="38100" dist="38100" dir="2700000" algn="tl">
-                    <a:srgbClr val="000000">
-                      <a:alpha val="43137"/>
-                    </a:srgbClr>
-                  </a:outerShdw>
-                </a:effectLst>
-                <a:latin typeface="微软雅黑" pitchFamily="34" charset="-122"/>
-                <a:ea typeface="微软雅黑" pitchFamily="34" charset="-122"/>
-                <a:cs typeface="+mn-cs"/>
-              </a:rPr>
-              <a:t>演示</a:t>
+              <a:t>互联网金融服务平台功能及演示</a:t>
             </a:r>
             <a:endParaRPr lang="es-ES" sz="1200" b="0" kern="1200" dirty="0">
               <a:solidFill>
@@ -1883,7 +1866,7 @@
             <a:fld id="{530820CF-B880-4189-942D-D702A7CBA730}" type="datetimeFigureOut">
               <a:rPr lang="zh-CN" altLang="en-US" smtClean="0"/>
               <a:pPr/>
-              <a:t>2015/2/2</a:t>
+              <a:t>15/3/27</a:t>
             </a:fld>
             <a:endParaRPr lang="zh-CN" altLang="en-US"/>
           </a:p>
@@ -1921,7 +1904,7 @@
   <p:timing>
     <p:tnLst>
       <p:par>
-        <p:cTn id="1" dur="indefinite" restart="never" nodeType="tmRoot"/>
+        <p:cTn xmlns:p14="http://schemas.microsoft.com/office/powerpoint/2010/main" id="1" dur="indefinite" restart="never" nodeType="tmRoot"/>
       </p:par>
     </p:tnLst>
   </p:timing>
@@ -1957,7 +1940,7 @@
           <a:blip r:embed="rId2">
             <a:extLst>
               <a:ext uri="{28A0092B-C50C-407E-A947-70E740481C1C}">
-                <a14:useLocalDpi xmlns="" xmlns:a14="http://schemas.microsoft.com/office/drawing/2010/main" val="0"/>
+                <a14:useLocalDpi xmlns:a14="http://schemas.microsoft.com/office/drawing/2010/main" val="0"/>
               </a:ext>
             </a:extLst>
           </a:blip>
@@ -1976,8 +1959,8 @@
           </a:prstGeom>
           <a:noFill/>
           <a:extLst>
-            <a:ext uri="{909E8E84-426E-40DD-AFC4-6F175D3DCCD1}">
-              <a14:hiddenFill xmlns="" xmlns:a14="http://schemas.microsoft.com/office/drawing/2010/main">
+            <a:ext uri="{909E8E84-426E-40dd-AFC4-6F175D3DCCD1}">
+              <a14:hiddenFill xmlns:a14="http://schemas.microsoft.com/office/drawing/2010/main">
                 <a:solidFill>
                   <a:srgbClr val="FFFFFF"/>
                 </a:solidFill>
@@ -2155,7 +2138,7 @@
             <a:fld id="{530820CF-B880-4189-942D-D702A7CBA730}" type="datetimeFigureOut">
               <a:rPr lang="zh-CN" altLang="en-US" smtClean="0"/>
               <a:pPr/>
-              <a:t>2015/2/2</a:t>
+              <a:t>15/3/27</a:t>
             </a:fld>
             <a:endParaRPr lang="zh-CN" altLang="en-US"/>
           </a:p>
@@ -2212,7 +2195,7 @@
   <p:timing>
     <p:tnLst>
       <p:par>
-        <p:cTn id="1" dur="indefinite" restart="never" nodeType="tmRoot"/>
+        <p:cTn xmlns:p14="http://schemas.microsoft.com/office/powerpoint/2010/main" id="1" dur="indefinite" restart="never" nodeType="tmRoot"/>
       </p:par>
     </p:tnLst>
   </p:timing>
@@ -2447,7 +2430,7 @@
             <a:fld id="{530820CF-B880-4189-942D-D702A7CBA730}" type="datetimeFigureOut">
               <a:rPr lang="zh-CN" altLang="en-US" smtClean="0"/>
               <a:pPr/>
-              <a:t>2015/2/2</a:t>
+              <a:t>15/3/27</a:t>
             </a:fld>
             <a:endParaRPr lang="zh-CN" altLang="en-US"/>
           </a:p>
@@ -2504,7 +2487,7 @@
   <p:timing>
     <p:tnLst>
       <p:par>
-        <p:cTn id="1" dur="indefinite" restart="never" nodeType="tmRoot"/>
+        <p:cTn xmlns:p14="http://schemas.microsoft.com/office/powerpoint/2010/main" id="1" dur="indefinite" restart="never" nodeType="tmRoot"/>
       </p:par>
     </p:tnLst>
   </p:timing>
@@ -2873,7 +2856,7 @@
             <a:fld id="{530820CF-B880-4189-942D-D702A7CBA730}" type="datetimeFigureOut">
               <a:rPr lang="zh-CN" altLang="en-US" smtClean="0"/>
               <a:pPr/>
-              <a:t>2015/2/2</a:t>
+              <a:t>15/3/27</a:t>
             </a:fld>
             <a:endParaRPr lang="zh-CN" altLang="en-US"/>
           </a:p>
@@ -2930,7 +2913,7 @@
   <p:timing>
     <p:tnLst>
       <p:par>
-        <p:cTn id="1" dur="indefinite" restart="never" nodeType="tmRoot"/>
+        <p:cTn xmlns:p14="http://schemas.microsoft.com/office/powerpoint/2010/main" id="1" dur="indefinite" restart="never" nodeType="tmRoot"/>
       </p:par>
     </p:tnLst>
   </p:timing>
@@ -2995,7 +2978,7 @@
             <a:fld id="{530820CF-B880-4189-942D-D702A7CBA730}" type="datetimeFigureOut">
               <a:rPr lang="zh-CN" altLang="en-US" smtClean="0"/>
               <a:pPr/>
-              <a:t>2015/2/2</a:t>
+              <a:t>15/3/27</a:t>
             </a:fld>
             <a:endParaRPr lang="zh-CN" altLang="en-US"/>
           </a:p>
@@ -3052,7 +3035,7 @@
   <p:timing>
     <p:tnLst>
       <p:par>
-        <p:cTn id="1" dur="indefinite" restart="never" nodeType="tmRoot"/>
+        <p:cTn xmlns:p14="http://schemas.microsoft.com/office/powerpoint/2010/main" id="1" dur="indefinite" restart="never" nodeType="tmRoot"/>
       </p:par>
     </p:tnLst>
   </p:timing>
@@ -3094,7 +3077,7 @@
             <a:fld id="{530820CF-B880-4189-942D-D702A7CBA730}" type="datetimeFigureOut">
               <a:rPr lang="zh-CN" altLang="en-US" smtClean="0"/>
               <a:pPr/>
-              <a:t>2015/2/2</a:t>
+              <a:t>15/3/27</a:t>
             </a:fld>
             <a:endParaRPr lang="zh-CN" altLang="en-US"/>
           </a:p>
@@ -3151,7 +3134,7 @@
   <p:timing>
     <p:tnLst>
       <p:par>
-        <p:cTn id="1" dur="indefinite" restart="never" nodeType="tmRoot"/>
+        <p:cTn xmlns:p14="http://schemas.microsoft.com/office/powerpoint/2010/main" id="1" dur="indefinite" restart="never" nodeType="tmRoot"/>
       </p:par>
     </p:tnLst>
   </p:timing>
@@ -3375,7 +3358,7 @@
             <a:fld id="{530820CF-B880-4189-942D-D702A7CBA730}" type="datetimeFigureOut">
               <a:rPr lang="zh-CN" altLang="en-US" smtClean="0"/>
               <a:pPr/>
-              <a:t>2015/2/2</a:t>
+              <a:t>15/3/27</a:t>
             </a:fld>
             <a:endParaRPr lang="zh-CN" altLang="en-US"/>
           </a:p>
@@ -3625,7 +3608,7 @@
             <a:fld id="{530820CF-B880-4189-942D-D702A7CBA730}" type="datetimeFigureOut">
               <a:rPr lang="zh-CN" altLang="en-US" smtClean="0"/>
               <a:pPr/>
-              <a:t>2015/2/2</a:t>
+              <a:t>15/3/27</a:t>
             </a:fld>
             <a:endParaRPr lang="zh-CN" altLang="en-US"/>
           </a:p>
@@ -3835,7 +3818,7 @@
             <a:fld id="{530820CF-B880-4189-942D-D702A7CBA730}" type="datetimeFigureOut">
               <a:rPr lang="zh-CN" altLang="en-US" smtClean="0"/>
               <a:pPr/>
-              <a:t>2015/2/2</a:t>
+              <a:t>15/3/27</a:t>
             </a:fld>
             <a:endParaRPr lang="zh-CN" altLang="en-US"/>
           </a:p>
@@ -3939,7 +3922,7 @@
   <p:timing>
     <p:tnLst>
       <p:par>
-        <p:cTn id="1" dur="indefinite" restart="never" nodeType="tmRoot"/>
+        <p:cTn xmlns:p14="http://schemas.microsoft.com/office/powerpoint/2010/main" id="1" dur="indefinite" restart="never" nodeType="tmRoot"/>
       </p:par>
     </p:tnLst>
   </p:timing>
@@ -4225,7 +4208,7 @@
           <a:blip r:embed="rId3" cstate="print">
             <a:extLst>
               <a:ext uri="{28A0092B-C50C-407E-A947-70E740481C1C}">
-                <a14:useLocalDpi xmlns="" xmlns:a14="http://schemas.microsoft.com/office/drawing/2010/main" val="0"/>
+                <a14:useLocalDpi xmlns:a14="http://schemas.microsoft.com/office/drawing/2010/main" val="0"/>
               </a:ext>
             </a:extLst>
           </a:blip>
@@ -4244,8 +4227,8 @@
           </a:prstGeom>
           <a:noFill/>
           <a:extLst>
-            <a:ext uri="{909E8E84-426E-40DD-AFC4-6F175D3DCCD1}">
-              <a14:hiddenFill xmlns="" xmlns:a14="http://schemas.microsoft.com/office/drawing/2010/main">
+            <a:ext uri="{909E8E84-426E-40dd-AFC4-6F175D3DCCD1}">
+              <a14:hiddenFill xmlns:a14="http://schemas.microsoft.com/office/drawing/2010/main">
                 <a:solidFill>
                   <a:srgbClr val="FFFFFF"/>
                 </a:solidFill>
@@ -4266,7 +4249,7 @@
           <a:blip r:embed="rId4" cstate="print">
             <a:extLst>
               <a:ext uri="{28A0092B-C50C-407E-A947-70E740481C1C}">
-                <a14:useLocalDpi xmlns="" xmlns:a14="http://schemas.microsoft.com/office/drawing/2010/main" val="0"/>
+                <a14:useLocalDpi xmlns:a14="http://schemas.microsoft.com/office/drawing/2010/main" val="0"/>
               </a:ext>
             </a:extLst>
           </a:blip>
@@ -4285,8 +4268,8 @@
           </a:prstGeom>
           <a:noFill/>
           <a:extLst>
-            <a:ext uri="{909E8E84-426E-40DD-AFC4-6F175D3DCCD1}">
-              <a14:hiddenFill xmlns="" xmlns:a14="http://schemas.microsoft.com/office/drawing/2010/main">
+            <a:ext uri="{909E8E84-426E-40dd-AFC4-6F175D3DCCD1}">
+              <a14:hiddenFill xmlns:a14="http://schemas.microsoft.com/office/drawing/2010/main">
                 <a:solidFill>
                   <a:srgbClr val="FFFFFF"/>
                 </a:solidFill>
@@ -4307,7 +4290,7 @@
           <a:blip r:embed="rId5" cstate="print">
             <a:extLst>
               <a:ext uri="{28A0092B-C50C-407E-A947-70E740481C1C}">
-                <a14:useLocalDpi xmlns="" xmlns:a14="http://schemas.microsoft.com/office/drawing/2010/main" val="0"/>
+                <a14:useLocalDpi xmlns:a14="http://schemas.microsoft.com/office/drawing/2010/main" val="0"/>
               </a:ext>
             </a:extLst>
           </a:blip>
@@ -4326,8 +4309,8 @@
           </a:prstGeom>
           <a:noFill/>
           <a:extLst>
-            <a:ext uri="{909E8E84-426E-40DD-AFC4-6F175D3DCCD1}">
-              <a14:hiddenFill xmlns="" xmlns:a14="http://schemas.microsoft.com/office/drawing/2010/main">
+            <a:ext uri="{909E8E84-426E-40dd-AFC4-6F175D3DCCD1}">
+              <a14:hiddenFill xmlns:a14="http://schemas.microsoft.com/office/drawing/2010/main">
                 <a:solidFill>
                   <a:srgbClr val="FFFFFF"/>
                 </a:solidFill>
@@ -4348,7 +4331,7 @@
           <a:blip r:embed="rId6" cstate="print">
             <a:extLst>
               <a:ext uri="{28A0092B-C50C-407E-A947-70E740481C1C}">
-                <a14:useLocalDpi xmlns="" xmlns:a14="http://schemas.microsoft.com/office/drawing/2010/main" val="0"/>
+                <a14:useLocalDpi xmlns:a14="http://schemas.microsoft.com/office/drawing/2010/main" val="0"/>
               </a:ext>
             </a:extLst>
           </a:blip>
@@ -4367,8 +4350,8 @@
           </a:prstGeom>
           <a:noFill/>
           <a:extLst>
-            <a:ext uri="{909E8E84-426E-40DD-AFC4-6F175D3DCCD1}">
-              <a14:hiddenFill xmlns="" xmlns:a14="http://schemas.microsoft.com/office/drawing/2010/main">
+            <a:ext uri="{909E8E84-426E-40dd-AFC4-6F175D3DCCD1}">
+              <a14:hiddenFill xmlns:a14="http://schemas.microsoft.com/office/drawing/2010/main">
                 <a:solidFill>
                   <a:srgbClr val="FFFFFF"/>
                 </a:solidFill>
@@ -4389,7 +4372,7 @@
           <a:blip r:embed="rId7" cstate="print">
             <a:extLst>
               <a:ext uri="{28A0092B-C50C-407E-A947-70E740481C1C}">
-                <a14:useLocalDpi xmlns="" xmlns:a14="http://schemas.microsoft.com/office/drawing/2010/main" val="0"/>
+                <a14:useLocalDpi xmlns:a14="http://schemas.microsoft.com/office/drawing/2010/main" val="0"/>
               </a:ext>
             </a:extLst>
           </a:blip>
@@ -4408,8 +4391,8 @@
           </a:prstGeom>
           <a:noFill/>
           <a:extLst>
-            <a:ext uri="{909E8E84-426E-40DD-AFC4-6F175D3DCCD1}">
-              <a14:hiddenFill xmlns="" xmlns:a14="http://schemas.microsoft.com/office/drawing/2010/main">
+            <a:ext uri="{909E8E84-426E-40dd-AFC4-6F175D3DCCD1}">
+              <a14:hiddenFill xmlns:a14="http://schemas.microsoft.com/office/drawing/2010/main">
                 <a:solidFill>
                   <a:srgbClr val="FFFFFF"/>
                 </a:solidFill>
@@ -4430,7 +4413,7 @@
           <a:blip r:embed="rId8" cstate="print">
             <a:extLst>
               <a:ext uri="{28A0092B-C50C-407E-A947-70E740481C1C}">
-                <a14:useLocalDpi xmlns="" xmlns:a14="http://schemas.microsoft.com/office/drawing/2010/main" val="0"/>
+                <a14:useLocalDpi xmlns:a14="http://schemas.microsoft.com/office/drawing/2010/main" val="0"/>
               </a:ext>
             </a:extLst>
           </a:blip>
@@ -4449,8 +4432,8 @@
           </a:prstGeom>
           <a:noFill/>
           <a:extLst>
-            <a:ext uri="{909E8E84-426E-40DD-AFC4-6F175D3DCCD1}">
-              <a14:hiddenFill xmlns="" xmlns:a14="http://schemas.microsoft.com/office/drawing/2010/main">
+            <a:ext uri="{909E8E84-426E-40dd-AFC4-6F175D3DCCD1}">
+              <a14:hiddenFill xmlns:a14="http://schemas.microsoft.com/office/drawing/2010/main">
                 <a:solidFill>
                   <a:srgbClr val="FFFFFF"/>
                 </a:solidFill>
@@ -4471,7 +4454,7 @@
           <a:blip r:embed="rId9" cstate="print">
             <a:extLst>
               <a:ext uri="{28A0092B-C50C-407E-A947-70E740481C1C}">
-                <a14:useLocalDpi xmlns="" xmlns:a14="http://schemas.microsoft.com/office/drawing/2010/main" val="0"/>
+                <a14:useLocalDpi xmlns:a14="http://schemas.microsoft.com/office/drawing/2010/main" val="0"/>
               </a:ext>
             </a:extLst>
           </a:blip>
@@ -4490,8 +4473,8 @@
           </a:prstGeom>
           <a:noFill/>
           <a:extLst>
-            <a:ext uri="{909E8E84-426E-40DD-AFC4-6F175D3DCCD1}">
-              <a14:hiddenFill xmlns="" xmlns:a14="http://schemas.microsoft.com/office/drawing/2010/main">
+            <a:ext uri="{909E8E84-426E-40dd-AFC4-6F175D3DCCD1}">
+              <a14:hiddenFill xmlns:a14="http://schemas.microsoft.com/office/drawing/2010/main">
                 <a:solidFill>
                   <a:srgbClr val="FFFFFF"/>
                 </a:solidFill>
@@ -4512,7 +4495,7 @@
           <a:blip r:embed="rId10" cstate="print">
             <a:extLst>
               <a:ext uri="{28A0092B-C50C-407E-A947-70E740481C1C}">
-                <a14:useLocalDpi xmlns="" xmlns:a14="http://schemas.microsoft.com/office/drawing/2010/main" val="0"/>
+                <a14:useLocalDpi xmlns:a14="http://schemas.microsoft.com/office/drawing/2010/main" val="0"/>
               </a:ext>
             </a:extLst>
           </a:blip>
@@ -4531,8 +4514,8 @@
           </a:prstGeom>
           <a:noFill/>
           <a:extLst>
-            <a:ext uri="{909E8E84-426E-40DD-AFC4-6F175D3DCCD1}">
-              <a14:hiddenFill xmlns="" xmlns:a14="http://schemas.microsoft.com/office/drawing/2010/main">
+            <a:ext uri="{909E8E84-426E-40dd-AFC4-6F175D3DCCD1}">
+              <a14:hiddenFill xmlns:a14="http://schemas.microsoft.com/office/drawing/2010/main">
                 <a:solidFill>
                   <a:srgbClr val="FFFFFF"/>
                 </a:solidFill>
@@ -4553,7 +4536,7 @@
           <a:blip r:embed="rId11" cstate="print">
             <a:extLst>
               <a:ext uri="{28A0092B-C50C-407E-A947-70E740481C1C}">
-                <a14:useLocalDpi xmlns="" xmlns:a14="http://schemas.microsoft.com/office/drawing/2010/main" val="0"/>
+                <a14:useLocalDpi xmlns:a14="http://schemas.microsoft.com/office/drawing/2010/main" val="0"/>
               </a:ext>
             </a:extLst>
           </a:blip>
@@ -4572,8 +4555,8 @@
           </a:prstGeom>
           <a:noFill/>
           <a:extLst>
-            <a:ext uri="{909E8E84-426E-40DD-AFC4-6F175D3DCCD1}">
-              <a14:hiddenFill xmlns="" xmlns:a14="http://schemas.microsoft.com/office/drawing/2010/main">
+            <a:ext uri="{909E8E84-426E-40dd-AFC4-6F175D3DCCD1}">
+              <a14:hiddenFill xmlns:a14="http://schemas.microsoft.com/office/drawing/2010/main">
                 <a:solidFill>
                   <a:srgbClr val="FFFFFF"/>
                 </a:solidFill>
@@ -4594,7 +4577,7 @@
           <a:blip r:embed="rId12" cstate="print">
             <a:extLst>
               <a:ext uri="{28A0092B-C50C-407E-A947-70E740481C1C}">
-                <a14:useLocalDpi xmlns="" xmlns:a14="http://schemas.microsoft.com/office/drawing/2010/main" val="0"/>
+                <a14:useLocalDpi xmlns:a14="http://schemas.microsoft.com/office/drawing/2010/main" val="0"/>
               </a:ext>
             </a:extLst>
           </a:blip>
@@ -4613,8 +4596,8 @@
           </a:prstGeom>
           <a:noFill/>
           <a:extLst>
-            <a:ext uri="{909E8E84-426E-40DD-AFC4-6F175D3DCCD1}">
-              <a14:hiddenFill xmlns="" xmlns:a14="http://schemas.microsoft.com/office/drawing/2010/main">
+            <a:ext uri="{909E8E84-426E-40dd-AFC4-6F175D3DCCD1}">
+              <a14:hiddenFill xmlns:a14="http://schemas.microsoft.com/office/drawing/2010/main">
                 <a:solidFill>
                   <a:srgbClr val="FFFFFF"/>
                 </a:solidFill>
@@ -4635,7 +4618,7 @@
           <a:blip r:embed="rId8" cstate="print">
             <a:extLst>
               <a:ext uri="{28A0092B-C50C-407E-A947-70E740481C1C}">
-                <a14:useLocalDpi xmlns="" xmlns:a14="http://schemas.microsoft.com/office/drawing/2010/main" val="0"/>
+                <a14:useLocalDpi xmlns:a14="http://schemas.microsoft.com/office/drawing/2010/main" val="0"/>
               </a:ext>
             </a:extLst>
           </a:blip>
@@ -4654,8 +4637,8 @@
           </a:prstGeom>
           <a:noFill/>
           <a:extLst>
-            <a:ext uri="{909E8E84-426E-40DD-AFC4-6F175D3DCCD1}">
-              <a14:hiddenFill xmlns="" xmlns:a14="http://schemas.microsoft.com/office/drawing/2010/main">
+            <a:ext uri="{909E8E84-426E-40dd-AFC4-6F175D3DCCD1}">
+              <a14:hiddenFill xmlns:a14="http://schemas.microsoft.com/office/drawing/2010/main">
                 <a:solidFill>
                   <a:srgbClr val="FFFFFF"/>
                 </a:solidFill>
@@ -4676,7 +4659,7 @@
           <a:blip r:embed="rId13" cstate="print">
             <a:extLst>
               <a:ext uri="{28A0092B-C50C-407E-A947-70E740481C1C}">
-                <a14:useLocalDpi xmlns="" xmlns:a14="http://schemas.microsoft.com/office/drawing/2010/main" val="0"/>
+                <a14:useLocalDpi xmlns:a14="http://schemas.microsoft.com/office/drawing/2010/main" val="0"/>
               </a:ext>
             </a:extLst>
           </a:blip>
@@ -4695,8 +4678,8 @@
           </a:prstGeom>
           <a:noFill/>
           <a:extLst>
-            <a:ext uri="{909E8E84-426E-40DD-AFC4-6F175D3DCCD1}">
-              <a14:hiddenFill xmlns="" xmlns:a14="http://schemas.microsoft.com/office/drawing/2010/main">
+            <a:ext uri="{909E8E84-426E-40dd-AFC4-6F175D3DCCD1}">
+              <a14:hiddenFill xmlns:a14="http://schemas.microsoft.com/office/drawing/2010/main">
                 <a:solidFill>
                   <a:srgbClr val="FFFFFF"/>
                 </a:solidFill>
@@ -4717,7 +4700,7 @@
           <a:blip r:embed="rId14" cstate="print">
             <a:extLst>
               <a:ext uri="{28A0092B-C50C-407E-A947-70E740481C1C}">
-                <a14:useLocalDpi xmlns="" xmlns:a14="http://schemas.microsoft.com/office/drawing/2010/main" val="0"/>
+                <a14:useLocalDpi xmlns:a14="http://schemas.microsoft.com/office/drawing/2010/main" val="0"/>
               </a:ext>
             </a:extLst>
           </a:blip>
@@ -4736,8 +4719,8 @@
           </a:prstGeom>
           <a:noFill/>
           <a:extLst>
-            <a:ext uri="{909E8E84-426E-40DD-AFC4-6F175D3DCCD1}">
-              <a14:hiddenFill xmlns="" xmlns:a14="http://schemas.microsoft.com/office/drawing/2010/main">
+            <a:ext uri="{909E8E84-426E-40dd-AFC4-6F175D3DCCD1}">
+              <a14:hiddenFill xmlns:a14="http://schemas.microsoft.com/office/drawing/2010/main">
                 <a:solidFill>
                   <a:srgbClr val="FFFFFF"/>
                 </a:solidFill>
@@ -4758,7 +4741,7 @@
           <a:blip r:embed="rId13" cstate="print">
             <a:extLst>
               <a:ext uri="{28A0092B-C50C-407E-A947-70E740481C1C}">
-                <a14:useLocalDpi xmlns="" xmlns:a14="http://schemas.microsoft.com/office/drawing/2010/main" val="0"/>
+                <a14:useLocalDpi xmlns:a14="http://schemas.microsoft.com/office/drawing/2010/main" val="0"/>
               </a:ext>
             </a:extLst>
           </a:blip>
@@ -4777,8 +4760,8 @@
           </a:prstGeom>
           <a:noFill/>
           <a:extLst>
-            <a:ext uri="{909E8E84-426E-40DD-AFC4-6F175D3DCCD1}">
-              <a14:hiddenFill xmlns="" xmlns:a14="http://schemas.microsoft.com/office/drawing/2010/main">
+            <a:ext uri="{909E8E84-426E-40dd-AFC4-6F175D3DCCD1}">
+              <a14:hiddenFill xmlns:a14="http://schemas.microsoft.com/office/drawing/2010/main">
                 <a:solidFill>
                   <a:srgbClr val="FFFFFF"/>
                 </a:solidFill>
@@ -4799,7 +4782,7 @@
           <a:blip r:embed="rId15" cstate="print">
             <a:extLst>
               <a:ext uri="{28A0092B-C50C-407E-A947-70E740481C1C}">
-                <a14:useLocalDpi xmlns="" xmlns:a14="http://schemas.microsoft.com/office/drawing/2010/main" val="0"/>
+                <a14:useLocalDpi xmlns:a14="http://schemas.microsoft.com/office/drawing/2010/main" val="0"/>
               </a:ext>
             </a:extLst>
           </a:blip>
@@ -4818,8 +4801,8 @@
           </a:prstGeom>
           <a:noFill/>
           <a:extLst>
-            <a:ext uri="{909E8E84-426E-40DD-AFC4-6F175D3DCCD1}">
-              <a14:hiddenFill xmlns="" xmlns:a14="http://schemas.microsoft.com/office/drawing/2010/main">
+            <a:ext uri="{909E8E84-426E-40dd-AFC4-6F175D3DCCD1}">
+              <a14:hiddenFill xmlns:a14="http://schemas.microsoft.com/office/drawing/2010/main">
                 <a:solidFill>
                   <a:srgbClr val="FFFFFF"/>
                 </a:solidFill>
@@ -4840,7 +4823,7 @@
           <a:blip r:embed="rId15" cstate="print">
             <a:extLst>
               <a:ext uri="{28A0092B-C50C-407E-A947-70E740481C1C}">
-                <a14:useLocalDpi xmlns="" xmlns:a14="http://schemas.microsoft.com/office/drawing/2010/main" val="0"/>
+                <a14:useLocalDpi xmlns:a14="http://schemas.microsoft.com/office/drawing/2010/main" val="0"/>
               </a:ext>
             </a:extLst>
           </a:blip>
@@ -4859,8 +4842,8 @@
           </a:prstGeom>
           <a:noFill/>
           <a:extLst>
-            <a:ext uri="{909E8E84-426E-40DD-AFC4-6F175D3DCCD1}">
-              <a14:hiddenFill xmlns="" xmlns:a14="http://schemas.microsoft.com/office/drawing/2010/main">
+            <a:ext uri="{909E8E84-426E-40dd-AFC4-6F175D3DCCD1}">
+              <a14:hiddenFill xmlns:a14="http://schemas.microsoft.com/office/drawing/2010/main">
                 <a:solidFill>
                   <a:srgbClr val="FFFFFF"/>
                 </a:solidFill>
@@ -4881,7 +4864,7 @@
           <a:blip r:embed="rId16" cstate="print">
             <a:extLst>
               <a:ext uri="{28A0092B-C50C-407E-A947-70E740481C1C}">
-                <a14:useLocalDpi xmlns="" xmlns:a14="http://schemas.microsoft.com/office/drawing/2010/main" val="0"/>
+                <a14:useLocalDpi xmlns:a14="http://schemas.microsoft.com/office/drawing/2010/main" val="0"/>
               </a:ext>
             </a:extLst>
           </a:blip>
@@ -4900,8 +4883,8 @@
           </a:prstGeom>
           <a:noFill/>
           <a:extLst>
-            <a:ext uri="{909E8E84-426E-40DD-AFC4-6F175D3DCCD1}">
-              <a14:hiddenFill xmlns="" xmlns:a14="http://schemas.microsoft.com/office/drawing/2010/main">
+            <a:ext uri="{909E8E84-426E-40dd-AFC4-6F175D3DCCD1}">
+              <a14:hiddenFill xmlns:a14="http://schemas.microsoft.com/office/drawing/2010/main">
                 <a:solidFill>
                   <a:srgbClr val="FFFFFF"/>
                 </a:solidFill>
@@ -4922,7 +4905,7 @@
           <a:blip r:embed="rId17" cstate="print">
             <a:extLst>
               <a:ext uri="{28A0092B-C50C-407E-A947-70E740481C1C}">
-                <a14:useLocalDpi xmlns="" xmlns:a14="http://schemas.microsoft.com/office/drawing/2010/main" val="0"/>
+                <a14:useLocalDpi xmlns:a14="http://schemas.microsoft.com/office/drawing/2010/main" val="0"/>
               </a:ext>
             </a:extLst>
           </a:blip>
@@ -4941,8 +4924,8 @@
           </a:prstGeom>
           <a:noFill/>
           <a:extLst>
-            <a:ext uri="{909E8E84-426E-40DD-AFC4-6F175D3DCCD1}">
-              <a14:hiddenFill xmlns="" xmlns:a14="http://schemas.microsoft.com/office/drawing/2010/main">
+            <a:ext uri="{909E8E84-426E-40dd-AFC4-6F175D3DCCD1}">
+              <a14:hiddenFill xmlns:a14="http://schemas.microsoft.com/office/drawing/2010/main">
                 <a:solidFill>
                   <a:srgbClr val="FFFFFF"/>
                 </a:solidFill>
@@ -4963,7 +4946,7 @@
           <a:blip r:embed="rId18" cstate="print">
             <a:extLst>
               <a:ext uri="{28A0092B-C50C-407E-A947-70E740481C1C}">
-                <a14:useLocalDpi xmlns="" xmlns:a14="http://schemas.microsoft.com/office/drawing/2010/main" val="0"/>
+                <a14:useLocalDpi xmlns:a14="http://schemas.microsoft.com/office/drawing/2010/main" val="0"/>
               </a:ext>
             </a:extLst>
           </a:blip>
@@ -4982,8 +4965,8 @@
           </a:prstGeom>
           <a:noFill/>
           <a:extLst>
-            <a:ext uri="{909E8E84-426E-40DD-AFC4-6F175D3DCCD1}">
-              <a14:hiddenFill xmlns="" xmlns:a14="http://schemas.microsoft.com/office/drawing/2010/main">
+            <a:ext uri="{909E8E84-426E-40dd-AFC4-6F175D3DCCD1}">
+              <a14:hiddenFill xmlns:a14="http://schemas.microsoft.com/office/drawing/2010/main">
                 <a:solidFill>
                   <a:srgbClr val="FFFFFF"/>
                 </a:solidFill>
@@ -5004,7 +4987,7 @@
           <a:blip r:embed="rId17" cstate="print">
             <a:extLst>
               <a:ext uri="{28A0092B-C50C-407E-A947-70E740481C1C}">
-                <a14:useLocalDpi xmlns="" xmlns:a14="http://schemas.microsoft.com/office/drawing/2010/main" val="0"/>
+                <a14:useLocalDpi xmlns:a14="http://schemas.microsoft.com/office/drawing/2010/main" val="0"/>
               </a:ext>
             </a:extLst>
           </a:blip>
@@ -5023,8 +5006,8 @@
           </a:prstGeom>
           <a:noFill/>
           <a:extLst>
-            <a:ext uri="{909E8E84-426E-40DD-AFC4-6F175D3DCCD1}">
-              <a14:hiddenFill xmlns="" xmlns:a14="http://schemas.microsoft.com/office/drawing/2010/main">
+            <a:ext uri="{909E8E84-426E-40dd-AFC4-6F175D3DCCD1}">
+              <a14:hiddenFill xmlns:a14="http://schemas.microsoft.com/office/drawing/2010/main">
                 <a:solidFill>
                   <a:srgbClr val="FFFFFF"/>
                 </a:solidFill>
@@ -5045,7 +5028,7 @@
           <a:blip r:embed="rId17" cstate="print">
             <a:extLst>
               <a:ext uri="{28A0092B-C50C-407E-A947-70E740481C1C}">
-                <a14:useLocalDpi xmlns="" xmlns:a14="http://schemas.microsoft.com/office/drawing/2010/main" val="0"/>
+                <a14:useLocalDpi xmlns:a14="http://schemas.microsoft.com/office/drawing/2010/main" val="0"/>
               </a:ext>
             </a:extLst>
           </a:blip>
@@ -5064,8 +5047,8 @@
           </a:prstGeom>
           <a:noFill/>
           <a:extLst>
-            <a:ext uri="{909E8E84-426E-40DD-AFC4-6F175D3DCCD1}">
-              <a14:hiddenFill xmlns="" xmlns:a14="http://schemas.microsoft.com/office/drawing/2010/main">
+            <a:ext uri="{909E8E84-426E-40dd-AFC4-6F175D3DCCD1}">
+              <a14:hiddenFill xmlns:a14="http://schemas.microsoft.com/office/drawing/2010/main">
                 <a:solidFill>
                   <a:srgbClr val="FFFFFF"/>
                 </a:solidFill>
@@ -5185,20 +5168,20 @@
     </p:spTree>
     <p:extLst>
       <p:ext uri="{BB962C8B-B14F-4D97-AF65-F5344CB8AC3E}">
-        <p14:creationId xmlns="" xmlns:p14="http://schemas.microsoft.com/office/powerpoint/2010/main" val="4051673188"/>
+        <p14:creationId xmlns:p14="http://schemas.microsoft.com/office/powerpoint/2010/main" val="4051673188"/>
       </p:ext>
     </p:extLst>
   </p:cSld>
   <p:clrMapOvr>
     <a:masterClrMapping/>
   </p:clrMapOvr>
-  <mc:AlternateContent xmlns:mc="http://schemas.openxmlformats.org/markup-compatibility/2006">
-    <mc:Choice xmlns="" xmlns:p14="http://schemas.microsoft.com/office/powerpoint/2010/main" Requires="p14">
+  <mc:AlternateContent xmlns:mc="http://schemas.openxmlformats.org/markup-compatibility/2006" xmlns:p14="http://schemas.microsoft.com/office/powerpoint/2010/main">
+    <mc:Choice Requires="p14">
       <p:transition spd="med" p14:dur="700">
         <p:fade/>
       </p:transition>
     </mc:Choice>
-    <mc:Fallback>
+    <mc:Fallback xmlns="">
       <p:transition spd="med">
         <p:fade/>
       </p:transition>
@@ -5207,7 +5190,7 @@
   <p:timing>
     <p:tnLst>
       <p:par>
-        <p:cTn id="1" dur="indefinite" restart="never" nodeType="tmRoot">
+        <p:cTn xmlns:p14="http://schemas.microsoft.com/office/powerpoint/2010/main" id="1" dur="indefinite" restart="never" nodeType="tmRoot">
           <p:childTnLst>
             <p:seq concurrent="1" nextAc="seek">
               <p:cTn id="2" dur="indefinite" nodeType="mainSeq">
@@ -7267,6 +7250,374 @@
       </p:grpSpPr>
       <p:sp>
         <p:nvSpPr>
+          <p:cNvPr id="9" name="13 CuadroTexto"/>
+          <p:cNvSpPr txBox="1"/>
+          <p:nvPr/>
+        </p:nvSpPr>
+        <p:spPr>
+          <a:xfrm>
+            <a:off x="7706464" y="4823050"/>
+            <a:ext cx="263214" cy="276999"/>
+          </a:xfrm>
+          <a:prstGeom prst="rect">
+            <a:avLst/>
+          </a:prstGeom>
+          <a:noFill/>
+        </p:spPr>
+        <p:txBody>
+          <a:bodyPr wrap="none" rtlCol="0">
+            <a:spAutoFit/>
+          </a:bodyPr>
+          <a:lstStyle/>
+          <a:p>
+            <a:pPr algn="ctr"/>
+            <a:r>
+              <a:rPr lang="en-US" altLang="zh-CN" sz="1200" b="1" dirty="0" smtClean="0">
+                <a:solidFill>
+                  <a:srgbClr val="04AEDA"/>
+                </a:solidFill>
+              </a:rPr>
+              <a:t>1</a:t>
+            </a:r>
+            <a:endParaRPr lang="es-ES" sz="1200" b="1" dirty="0">
+              <a:solidFill>
+                <a:srgbClr val="04AEDA"/>
+              </a:solidFill>
+            </a:endParaRPr>
+          </a:p>
+        </p:txBody>
+      </p:sp>
+      <p:cxnSp>
+        <p:nvCxnSpPr>
+          <p:cNvPr id="10" name="直接连接符 9"/>
+          <p:cNvCxnSpPr/>
+          <p:nvPr/>
+        </p:nvCxnSpPr>
+        <p:spPr>
+          <a:xfrm flipH="1">
+            <a:off x="213965" y="561975"/>
+            <a:ext cx="3097958" cy="0"/>
+          </a:xfrm>
+          <a:prstGeom prst="line">
+            <a:avLst/>
+          </a:prstGeom>
+          <a:ln>
+            <a:solidFill>
+              <a:srgbClr val="00B0F0"/>
+            </a:solidFill>
+          </a:ln>
+        </p:spPr>
+        <p:style>
+          <a:lnRef idx="1">
+            <a:schemeClr val="accent1"/>
+          </a:lnRef>
+          <a:fillRef idx="0">
+            <a:schemeClr val="accent1"/>
+          </a:fillRef>
+          <a:effectRef idx="0">
+            <a:schemeClr val="accent1"/>
+          </a:effectRef>
+          <a:fontRef idx="minor">
+            <a:schemeClr val="tx1"/>
+          </a:fontRef>
+        </p:style>
+      </p:cxnSp>
+      <p:sp>
+        <p:nvSpPr>
+          <p:cNvPr id="11" name="Rectangle 7"/>
+          <p:cNvSpPr>
+            <a:spLocks noChangeArrowheads="1"/>
+          </p:cNvSpPr>
+          <p:nvPr/>
+        </p:nvSpPr>
+        <p:spPr bwMode="auto">
+          <a:xfrm>
+            <a:off x="0" y="523876"/>
+            <a:ext cx="215900" cy="71438"/>
+          </a:xfrm>
+          <a:prstGeom prst="rect">
+            <a:avLst/>
+          </a:prstGeom>
+          <a:solidFill>
+            <a:srgbClr val="00B0F0"/>
+          </a:solidFill>
+          <a:ln w="9525">
+            <a:noFill/>
+            <a:miter lim="800000"/>
+            <a:headEnd/>
+            <a:tailEnd/>
+          </a:ln>
+        </p:spPr>
+        <p:txBody>
+          <a:bodyPr wrap="none" anchor="ctr"/>
+          <a:lstStyle/>
+          <a:p>
+            <a:endParaRPr lang="zh-CN" altLang="en-US"/>
+          </a:p>
+        </p:txBody>
+      </p:sp>
+      <p:sp>
+        <p:nvSpPr>
+          <p:cNvPr id="12" name="TextBox 5"/>
+          <p:cNvSpPr txBox="1">
+            <a:spLocks noChangeArrowheads="1"/>
+          </p:cNvSpPr>
+          <p:nvPr/>
+        </p:nvSpPr>
+        <p:spPr bwMode="auto">
+          <a:xfrm>
+            <a:off x="560314" y="193675"/>
+            <a:ext cx="2555875" cy="417529"/>
+          </a:xfrm>
+          <a:prstGeom prst="rect">
+            <a:avLst/>
+          </a:prstGeom>
+          <a:noFill/>
+          <a:ln>
+            <a:noFill/>
+          </a:ln>
+          <a:extLst>
+            <a:ext uri="{909E8E84-426E-40dd-AFC4-6F175D3DCCD1}">
+              <a14:hiddenFill xmlns:a14="http://schemas.microsoft.com/office/drawing/2010/main">
+                <a:solidFill>
+                  <a:srgbClr val="FFFFFF"/>
+                </a:solidFill>
+              </a14:hiddenFill>
+            </a:ext>
+            <a:ext uri="{91240B29-F687-4f45-9708-019B960494DF}">
+              <a14:hiddenLine xmlns:a14="http://schemas.microsoft.com/office/drawing/2010/main" w="9525">
+                <a:solidFill>
+                  <a:srgbClr val="000000"/>
+                </a:solidFill>
+                <a:miter lim="800000"/>
+                <a:headEnd/>
+                <a:tailEnd/>
+              </a14:hiddenLine>
+            </a:ext>
+          </a:extLst>
+        </p:spPr>
+        <p:txBody>
+          <a:bodyPr>
+            <a:spAutoFit/>
+          </a:bodyPr>
+          <a:lstStyle>
+            <a:lvl1pPr eaLnBrk="0" hangingPunct="0">
+              <a:defRPr>
+                <a:solidFill>
+                  <a:schemeClr val="tx1"/>
+                </a:solidFill>
+                <a:latin typeface="Calibri" pitchFamily="34" charset="0"/>
+                <a:ea typeface="宋体" pitchFamily="2" charset="-122"/>
+              </a:defRPr>
+            </a:lvl1pPr>
+            <a:lvl2pPr marL="742950" indent="-285750" eaLnBrk="0" hangingPunct="0">
+              <a:defRPr>
+                <a:solidFill>
+                  <a:schemeClr val="tx1"/>
+                </a:solidFill>
+                <a:latin typeface="Calibri" pitchFamily="34" charset="0"/>
+                <a:ea typeface="宋体" pitchFamily="2" charset="-122"/>
+              </a:defRPr>
+            </a:lvl2pPr>
+            <a:lvl3pPr marL="1143000" indent="-228600" eaLnBrk="0" hangingPunct="0">
+              <a:defRPr>
+                <a:solidFill>
+                  <a:schemeClr val="tx1"/>
+                </a:solidFill>
+                <a:latin typeface="Calibri" pitchFamily="34" charset="0"/>
+                <a:ea typeface="宋体" pitchFamily="2" charset="-122"/>
+              </a:defRPr>
+            </a:lvl3pPr>
+            <a:lvl4pPr marL="1600200" indent="-228600" eaLnBrk="0" hangingPunct="0">
+              <a:defRPr>
+                <a:solidFill>
+                  <a:schemeClr val="tx1"/>
+                </a:solidFill>
+                <a:latin typeface="Calibri" pitchFamily="34" charset="0"/>
+                <a:ea typeface="宋体" pitchFamily="2" charset="-122"/>
+              </a:defRPr>
+            </a:lvl4pPr>
+            <a:lvl5pPr marL="2057400" indent="-228600" eaLnBrk="0" hangingPunct="0">
+              <a:defRPr>
+                <a:solidFill>
+                  <a:schemeClr val="tx1"/>
+                </a:solidFill>
+                <a:latin typeface="Calibri" pitchFamily="34" charset="0"/>
+                <a:ea typeface="宋体" pitchFamily="2" charset="-122"/>
+              </a:defRPr>
+            </a:lvl5pPr>
+            <a:lvl6pPr marL="2514600" indent="-228600" eaLnBrk="0" fontAlgn="base" hangingPunct="0">
+              <a:spcBef>
+                <a:spcPct val="0"/>
+              </a:spcBef>
+              <a:spcAft>
+                <a:spcPct val="0"/>
+              </a:spcAft>
+              <a:defRPr>
+                <a:solidFill>
+                  <a:schemeClr val="tx1"/>
+                </a:solidFill>
+                <a:latin typeface="Calibri" pitchFamily="34" charset="0"/>
+                <a:ea typeface="宋体" pitchFamily="2" charset="-122"/>
+              </a:defRPr>
+            </a:lvl6pPr>
+            <a:lvl7pPr marL="2971800" indent="-228600" eaLnBrk="0" fontAlgn="base" hangingPunct="0">
+              <a:spcBef>
+                <a:spcPct val="0"/>
+              </a:spcBef>
+              <a:spcAft>
+                <a:spcPct val="0"/>
+              </a:spcAft>
+              <a:defRPr>
+                <a:solidFill>
+                  <a:schemeClr val="tx1"/>
+                </a:solidFill>
+                <a:latin typeface="Calibri" pitchFamily="34" charset="0"/>
+                <a:ea typeface="宋体" pitchFamily="2" charset="-122"/>
+              </a:defRPr>
+            </a:lvl7pPr>
+            <a:lvl8pPr marL="3429000" indent="-228600" eaLnBrk="0" fontAlgn="base" hangingPunct="0">
+              <a:spcBef>
+                <a:spcPct val="0"/>
+              </a:spcBef>
+              <a:spcAft>
+                <a:spcPct val="0"/>
+              </a:spcAft>
+              <a:defRPr>
+                <a:solidFill>
+                  <a:schemeClr val="tx1"/>
+                </a:solidFill>
+                <a:latin typeface="Calibri" pitchFamily="34" charset="0"/>
+                <a:ea typeface="宋体" pitchFamily="2" charset="-122"/>
+              </a:defRPr>
+            </a:lvl8pPr>
+            <a:lvl9pPr marL="3886200" indent="-228600" eaLnBrk="0" fontAlgn="base" hangingPunct="0">
+              <a:spcBef>
+                <a:spcPct val="0"/>
+              </a:spcBef>
+              <a:spcAft>
+                <a:spcPct val="0"/>
+              </a:spcAft>
+              <a:defRPr>
+                <a:solidFill>
+                  <a:schemeClr val="tx1"/>
+                </a:solidFill>
+                <a:latin typeface="Calibri" pitchFamily="34" charset="0"/>
+                <a:ea typeface="宋体" pitchFamily="2" charset="-122"/>
+              </a:defRPr>
+            </a:lvl9pPr>
+          </a:lstStyle>
+          <a:p>
+            <a:pPr eaLnBrk="1" hangingPunct="1">
+              <a:lnSpc>
+                <a:spcPts val="2563"/>
+              </a:lnSpc>
+            </a:pPr>
+            <a:r>
+              <a:rPr lang="zh-CN" altLang="en-US" sz="2000" dirty="0" smtClean="0">
+                <a:latin typeface="微软雅黑" pitchFamily="34" charset="-122"/>
+                <a:ea typeface="微软雅黑" pitchFamily="34" charset="-122"/>
+              </a:rPr>
+              <a:t>整体</a:t>
+            </a:r>
+            <a:r>
+              <a:rPr lang="zh-CN" altLang="en-US" sz="2000" dirty="0" smtClean="0">
+                <a:latin typeface="微软雅黑" pitchFamily="34" charset="-122"/>
+                <a:ea typeface="微软雅黑" pitchFamily="34" charset="-122"/>
+              </a:rPr>
+              <a:t>架构</a:t>
+            </a:r>
+            <a:endParaRPr lang="en-US" altLang="zh-CN" sz="2000" dirty="0">
+              <a:latin typeface="微软雅黑" pitchFamily="34" charset="-122"/>
+              <a:ea typeface="微软雅黑" pitchFamily="34" charset="-122"/>
+            </a:endParaRPr>
+          </a:p>
+        </p:txBody>
+      </p:sp>
+      <p:pic>
+        <p:nvPicPr>
+          <p:cNvPr id="18" name="图片 17"/>
+          <p:cNvPicPr/>
+          <p:nvPr/>
+        </p:nvPicPr>
+        <p:blipFill>
+          <a:blip r:embed="rId2">
+            <a:extLst>
+              <a:ext uri="{28A0092B-C50C-407E-A947-70E740481C1C}">
+                <a14:useLocalDpi xmlns:a14="http://schemas.microsoft.com/office/drawing/2010/main" val="0"/>
+              </a:ext>
+            </a:extLst>
+          </a:blip>
+          <a:srcRect/>
+          <a:stretch>
+            <a:fillRect/>
+          </a:stretch>
+        </p:blipFill>
+        <p:spPr bwMode="auto">
+          <a:xfrm>
+            <a:off x="683568" y="915566"/>
+            <a:ext cx="7416824" cy="3456384"/>
+          </a:xfrm>
+          <a:prstGeom prst="rect">
+            <a:avLst/>
+          </a:prstGeom>
+          <a:noFill/>
+          <a:ln>
+            <a:noFill/>
+          </a:ln>
+        </p:spPr>
+      </p:pic>
+    </p:spTree>
+    <p:extLst>
+      <p:ext uri="{BB962C8B-B14F-4D97-AF65-F5344CB8AC3E}">
+        <p14:creationId xmlns:p14="http://schemas.microsoft.com/office/powerpoint/2010/main" val="1549171008"/>
+      </p:ext>
+    </p:extLst>
+  </p:cSld>
+  <p:clrMapOvr>
+    <a:masterClrMapping/>
+  </p:clrMapOvr>
+  <mc:AlternateContent xmlns:mc="http://schemas.openxmlformats.org/markup-compatibility/2006" xmlns:p14="http://schemas.microsoft.com/office/powerpoint/2010/main">
+    <mc:Choice Requires="p14">
+      <p:transition spd="slow" p14:dur="1600">
+        <p14:gallery dir="l"/>
+      </p:transition>
+    </mc:Choice>
+    <mc:Fallback xmlns="">
+      <p:transition spd="slow">
+        <p:fade/>
+      </p:transition>
+    </mc:Fallback>
+  </mc:AlternateContent>
+  <p:timing>
+    <p:tnLst>
+      <p:par>
+        <p:cTn xmlns:p14="http://schemas.microsoft.com/office/powerpoint/2010/main" id="1" dur="indefinite" restart="never" nodeType="tmRoot"/>
+      </p:par>
+    </p:tnLst>
+  </p:timing>
+</p:sld>
+</file>
+
+<file path=ppt/slides/slide3.xml><?xml version="1.0" encoding="utf-8"?>
+<p:sld xmlns:a="http://schemas.openxmlformats.org/drawingml/2006/main" xmlns:r="http://schemas.openxmlformats.org/officeDocument/2006/relationships" xmlns:p="http://schemas.openxmlformats.org/presentationml/2006/main">
+  <p:cSld>
+    <p:spTree>
+      <p:nvGrpSpPr>
+        <p:cNvPr id="1" name=""/>
+        <p:cNvGrpSpPr/>
+        <p:nvPr/>
+      </p:nvGrpSpPr>
+      <p:grpSpPr>
+        <a:xfrm>
+          <a:off x="0" y="0"/>
+          <a:ext cx="0" cy="0"/>
+          <a:chOff x="0" y="0"/>
+          <a:chExt cx="0" cy="0"/>
+        </a:xfrm>
+      </p:grpSpPr>
+      <p:sp>
+        <p:nvSpPr>
           <p:cNvPr id="3" name="内容占位符 2"/>
           <p:cNvSpPr>
             <a:spLocks noGrp="1"/>
@@ -7479,15 +7830,15 @@
             <a:noFill/>
           </a:ln>
           <a:extLst>
-            <a:ext uri="{909E8E84-426E-40DD-AFC4-6F175D3DCCD1}">
-              <a14:hiddenFill xmlns="" xmlns:a14="http://schemas.microsoft.com/office/drawing/2010/main">
+            <a:ext uri="{909E8E84-426E-40dd-AFC4-6F175D3DCCD1}">
+              <a14:hiddenFill xmlns:a14="http://schemas.microsoft.com/office/drawing/2010/main">
                 <a:solidFill>
                   <a:srgbClr val="FFFFFF"/>
                 </a:solidFill>
               </a14:hiddenFill>
             </a:ext>
-            <a:ext uri="{91240B29-F687-4F45-9708-019B960494DF}">
-              <a14:hiddenLine xmlns="" xmlns:a14="http://schemas.microsoft.com/office/drawing/2010/main" w="9525">
+            <a:ext uri="{91240B29-F687-4f45-9708-019B960494DF}">
+              <a14:hiddenLine xmlns:a14="http://schemas.microsoft.com/office/drawing/2010/main" w="9525">
                 <a:solidFill>
                   <a:srgbClr val="000000"/>
                 </a:solidFill>
@@ -8234,20 +8585,20 @@
     </p:spTree>
     <p:extLst>
       <p:ext uri="{BB962C8B-B14F-4D97-AF65-F5344CB8AC3E}">
-        <p14:creationId xmlns="" xmlns:p14="http://schemas.microsoft.com/office/powerpoint/2010/main" val="1549171008"/>
+        <p14:creationId xmlns:p14="http://schemas.microsoft.com/office/powerpoint/2010/main" val="2663026205"/>
       </p:ext>
     </p:extLst>
   </p:cSld>
   <p:clrMapOvr>
     <a:masterClrMapping/>
   </p:clrMapOvr>
-  <mc:AlternateContent xmlns:mc="http://schemas.openxmlformats.org/markup-compatibility/2006">
-    <mc:Choice xmlns="" xmlns:p14="http://schemas.microsoft.com/office/powerpoint/2010/main" Requires="p14">
+  <mc:AlternateContent xmlns:mc="http://schemas.openxmlformats.org/markup-compatibility/2006" xmlns:p14="http://schemas.microsoft.com/office/powerpoint/2010/main">
+    <mc:Choice Requires="p14">
       <p:transition spd="slow" p14:dur="1600">
         <p14:gallery dir="l"/>
       </p:transition>
     </mc:Choice>
-    <mc:Fallback>
+    <mc:Fallback xmlns="">
       <p:transition spd="slow">
         <p:fade/>
       </p:transition>
@@ -8256,7 +8607,7 @@
   <p:timing>
     <p:tnLst>
       <p:par>
-        <p:cTn id="1" dur="indefinite" restart="never" nodeType="tmRoot">
+        <p:cTn xmlns:p14="http://schemas.microsoft.com/office/powerpoint/2010/main" id="1" dur="indefinite" restart="never" nodeType="tmRoot">
           <p:childTnLst>
             <p:seq concurrent="1" nextAc="seek">
               <p:cTn id="2" dur="indefinite" nodeType="mainSeq">
@@ -8701,7 +9052,7 @@
 </p:sld>
 </file>
 
-<file path=ppt/slides/slide3.xml><?xml version="1.0" encoding="utf-8"?>
+<file path=ppt/slides/slide4.xml><?xml version="1.0" encoding="utf-8"?>
 <p:sld xmlns:a="http://schemas.openxmlformats.org/drawingml/2006/main" xmlns:r="http://schemas.openxmlformats.org/officeDocument/2006/relationships" xmlns:p="http://schemas.openxmlformats.org/presentationml/2006/main">
   <p:cSld>
     <p:spTree>
@@ -8885,15 +9236,15 @@
             <a:noFill/>
           </a:ln>
           <a:extLst>
-            <a:ext uri="{909E8E84-426E-40DD-AFC4-6F175D3DCCD1}">
-              <a14:hiddenFill xmlns="" xmlns:a14="http://schemas.microsoft.com/office/drawing/2010/main">
+            <a:ext uri="{909E8E84-426E-40dd-AFC4-6F175D3DCCD1}">
+              <a14:hiddenFill xmlns:a14="http://schemas.microsoft.com/office/drawing/2010/main">
                 <a:solidFill>
                   <a:srgbClr val="FFFFFF"/>
                 </a:solidFill>
               </a14:hiddenFill>
             </a:ext>
-            <a:ext uri="{91240B29-F687-4F45-9708-019B960494DF}">
-              <a14:hiddenLine xmlns="" xmlns:a14="http://schemas.microsoft.com/office/drawing/2010/main" w="9525">
+            <a:ext uri="{91240B29-F687-4f45-9708-019B960494DF}">
+              <a14:hiddenLine xmlns:a14="http://schemas.microsoft.com/office/drawing/2010/main" w="9525">
                 <a:solidFill>
                   <a:srgbClr val="000000"/>
                 </a:solidFill>
@@ -10461,7 +10812,7 @@
           <a:blip r:embed="rId2" cstate="print">
             <a:extLst>
               <a:ext uri="{28A0092B-C50C-407E-A947-70E740481C1C}">
-                <a14:useLocalDpi xmlns="" xmlns:a14="http://schemas.microsoft.com/office/drawing/2010/main" val="0"/>
+                <a14:useLocalDpi xmlns:a14="http://schemas.microsoft.com/office/drawing/2010/main" val="0"/>
               </a:ext>
             </a:extLst>
           </a:blip>
@@ -10480,8 +10831,8 @@
           </a:prstGeom>
           <a:noFill/>
           <a:extLst>
-            <a:ext uri="{909E8E84-426E-40DD-AFC4-6F175D3DCCD1}">
-              <a14:hiddenFill xmlns="" xmlns:a14="http://schemas.microsoft.com/office/drawing/2010/main">
+            <a:ext uri="{909E8E84-426E-40dd-AFC4-6F175D3DCCD1}">
+              <a14:hiddenFill xmlns:a14="http://schemas.microsoft.com/office/drawing/2010/main">
                 <a:solidFill>
                   <a:srgbClr val="FFFFFF"/>
                 </a:solidFill>
@@ -11192,20 +11543,20 @@
     </p:spTree>
     <p:extLst>
       <p:ext uri="{BB962C8B-B14F-4D97-AF65-F5344CB8AC3E}">
-        <p14:creationId xmlns="" xmlns:p14="http://schemas.microsoft.com/office/powerpoint/2010/main" val="2929517292"/>
+        <p14:creationId xmlns:p14="http://schemas.microsoft.com/office/powerpoint/2010/main" val="2929517292"/>
       </p:ext>
     </p:extLst>
   </p:cSld>
   <p:clrMapOvr>
     <a:masterClrMapping/>
   </p:clrMapOvr>
-  <mc:AlternateContent xmlns:mc="http://schemas.openxmlformats.org/markup-compatibility/2006">
-    <mc:Choice xmlns="" xmlns:p14="http://schemas.microsoft.com/office/powerpoint/2010/main" Requires="p14">
+  <mc:AlternateContent xmlns:mc="http://schemas.openxmlformats.org/markup-compatibility/2006" xmlns:p14="http://schemas.microsoft.com/office/powerpoint/2010/main">
+    <mc:Choice Requires="p14">
       <p:transition spd="slow" p14:dur="1600">
         <p14:gallery dir="l"/>
       </p:transition>
     </mc:Choice>
-    <mc:Fallback>
+    <mc:Fallback xmlns="">
       <p:transition spd="slow">
         <p:fade/>
       </p:transition>
@@ -11214,7 +11565,7 @@
   <p:timing>
     <p:tnLst>
       <p:par>
-        <p:cTn id="1" dur="indefinite" restart="never" nodeType="tmRoot">
+        <p:cTn xmlns:p14="http://schemas.microsoft.com/office/powerpoint/2010/main" id="1" dur="indefinite" restart="never" nodeType="tmRoot">
           <p:childTnLst>
             <p:seq concurrent="1" nextAc="seek">
               <p:cTn id="2" dur="indefinite" nodeType="mainSeq">
@@ -11809,7 +12160,7 @@
 </p:sld>
 </file>
 
-<file path=ppt/slides/slide4.xml><?xml version="1.0" encoding="utf-8"?>
+<file path=ppt/slides/slide5.xml><?xml version="1.0" encoding="utf-8"?>
 <p:sld xmlns:a="http://schemas.openxmlformats.org/drawingml/2006/main" xmlns:r="http://schemas.openxmlformats.org/officeDocument/2006/relationships" xmlns:p="http://schemas.openxmlformats.org/presentationml/2006/main">
   <p:cSld>
     <p:spTree>
@@ -12154,15 +12505,15 @@
             <a:noFill/>
           </a:ln>
           <a:extLst>
-            <a:ext uri="{909E8E84-426E-40DD-AFC4-6F175D3DCCD1}">
-              <a14:hiddenFill xmlns="" xmlns:a14="http://schemas.microsoft.com/office/drawing/2010/main">
+            <a:ext uri="{909E8E84-426E-40dd-AFC4-6F175D3DCCD1}">
+              <a14:hiddenFill xmlns:a14="http://schemas.microsoft.com/office/drawing/2010/main">
                 <a:solidFill>
                   <a:srgbClr val="FFFFFF"/>
                 </a:solidFill>
               </a14:hiddenFill>
             </a:ext>
-            <a:ext uri="{91240B29-F687-4F45-9708-019B960494DF}">
-              <a14:hiddenLine xmlns="" xmlns:a14="http://schemas.microsoft.com/office/drawing/2010/main" w="9525">
+            <a:ext uri="{91240B29-F687-4f45-9708-019B960494DF}">
+              <a14:hiddenLine xmlns:a14="http://schemas.microsoft.com/office/drawing/2010/main" w="9525">
                 <a:solidFill>
                   <a:srgbClr val="000000"/>
                 </a:solidFill>
@@ -13126,20 +13477,20 @@
     </p:spTree>
     <p:extLst>
       <p:ext uri="{BB962C8B-B14F-4D97-AF65-F5344CB8AC3E}">
-        <p14:creationId xmlns="" xmlns:p14="http://schemas.microsoft.com/office/powerpoint/2010/main" val="3976038711"/>
+        <p14:creationId xmlns:p14="http://schemas.microsoft.com/office/powerpoint/2010/main" val="3976038711"/>
       </p:ext>
     </p:extLst>
   </p:cSld>
   <p:clrMapOvr>
     <a:masterClrMapping/>
   </p:clrMapOvr>
-  <p:transition spd="slow">
+  <p:transition xmlns:p14="http://schemas.microsoft.com/office/powerpoint/2010/main" spd="slow">
     <p:push/>
   </p:transition>
   <p:timing>
     <p:tnLst>
       <p:par>
-        <p:cTn id="1" dur="indefinite" restart="never" nodeType="tmRoot">
+        <p:cTn xmlns:p14="http://schemas.microsoft.com/office/powerpoint/2010/main" id="1" dur="indefinite" restart="never" nodeType="tmRoot">
           <p:childTnLst>
             <p:seq concurrent="1" nextAc="seek">
               <p:cTn id="2" dur="indefinite" nodeType="mainSeq">
@@ -13830,7 +14181,7 @@
 </p:sld>
 </file>
 
-<file path=ppt/slides/slide5.xml><?xml version="1.0" encoding="utf-8"?>
+<file path=ppt/slides/slide6.xml><?xml version="1.0" encoding="utf-8"?>
 <p:sld xmlns:a="http://schemas.openxmlformats.org/drawingml/2006/main" xmlns:r="http://schemas.openxmlformats.org/officeDocument/2006/relationships" xmlns:p="http://schemas.openxmlformats.org/presentationml/2006/main">
   <p:cSld>
     <p:spTree>
@@ -13861,7 +14212,7 @@
           <a:blip r:embed="rId2">
             <a:extLst>
               <a:ext uri="{28A0092B-C50C-407E-A947-70E740481C1C}">
-                <a14:useLocalDpi xmlns:a14="http://schemas.microsoft.com/office/drawing/2010/main" xmlns="" val="0"/>
+                <a14:useLocalDpi xmlns:a14="http://schemas.microsoft.com/office/drawing/2010/main" val="0"/>
               </a:ext>
             </a:extLst>
           </a:blip>
@@ -13880,15 +14231,15 @@
           </a:prstGeom>
           <a:ln/>
           <a:extLst>
-            <a:ext uri="{909E8E84-426E-40DD-AFC4-6F175D3DCCD1}">
-              <a14:hiddenFill xmlns:a14="http://schemas.microsoft.com/office/drawing/2010/main" xmlns="">
+            <a:ext uri="{909E8E84-426E-40dd-AFC4-6F175D3DCCD1}">
+              <a14:hiddenFill xmlns:a14="http://schemas.microsoft.com/office/drawing/2010/main">
                 <a:solidFill>
                   <a:schemeClr val="accent1"/>
                 </a:solidFill>
               </a14:hiddenFill>
             </a:ext>
-            <a:ext uri="{91240B29-F687-4F45-9708-019B960494DF}">
-              <a14:hiddenLine xmlns:a14="http://schemas.microsoft.com/office/drawing/2010/main" xmlns="" w="9525">
+            <a:ext uri="{91240B29-F687-4f45-9708-019B960494DF}">
+              <a14:hiddenLine xmlns:a14="http://schemas.microsoft.com/office/drawing/2010/main" w="9525">
                 <a:solidFill>
                   <a:schemeClr val="tx1"/>
                 </a:solidFill>
@@ -13897,8 +14248,8 @@
                 <a:tailEnd/>
               </a14:hiddenLine>
             </a:ext>
-            <a:ext uri="{AF507438-7753-43E0-B8FC-AC1667EBCBE1}">
-              <a14:hiddenEffects xmlns:a14="http://schemas.microsoft.com/office/drawing/2010/main" xmlns="">
+            <a:ext uri="{AF507438-7753-43e0-B8FC-AC1667EBCBE1}">
+              <a14:hiddenEffects xmlns:a14="http://schemas.microsoft.com/office/drawing/2010/main">
                 <a:effectLst>
                   <a:outerShdw dist="35921" dir="2700000" algn="ctr" rotWithShape="0">
                     <a:schemeClr val="bg2"/>
@@ -13968,43 +14319,7 @@
                 <a:latin typeface="华文楷体" pitchFamily="2" charset="-122"/>
                 <a:ea typeface="华文楷体" pitchFamily="2" charset="-122"/>
               </a:rPr>
-              <a:t>以转账流程为例</a:t>
-            </a:r>
-            <a:r>
-              <a:rPr lang="zh-CN" altLang="en-US" dirty="0" smtClean="0">
-                <a:effectLst>
-                  <a:outerShdw blurRad="38100" dist="38100" dir="2700000" algn="tl">
-                    <a:srgbClr val="C0C0C0"/>
-                  </a:outerShdw>
-                </a:effectLst>
-                <a:latin typeface="华文楷体" pitchFamily="2" charset="-122"/>
-                <a:ea typeface="华文楷体" pitchFamily="2" charset="-122"/>
-              </a:rPr>
-              <a:t>，准入层使开发</a:t>
-            </a:r>
-            <a:r>
-              <a:rPr lang="zh-CN" altLang="en-US" dirty="0" smtClean="0">
-                <a:effectLst>
-                  <a:outerShdw blurRad="38100" dist="38100" dir="2700000" algn="tl">
-                    <a:srgbClr val="C0C0C0"/>
-                  </a:outerShdw>
-                </a:effectLst>
-                <a:latin typeface="华文楷体" pitchFamily="2" charset="-122"/>
-                <a:ea typeface="华文楷体" pitchFamily="2" charset="-122"/>
-              </a:rPr>
-              <a:t>人员只需关注业务的</a:t>
-            </a:r>
-            <a:r>
-              <a:rPr lang="zh-CN" altLang="en-US" dirty="0" smtClean="0">
-                <a:effectLst>
-                  <a:outerShdw blurRad="38100" dist="38100" dir="2700000" algn="tl">
-                    <a:srgbClr val="C0C0C0"/>
-                  </a:outerShdw>
-                </a:effectLst>
-                <a:latin typeface="华文楷体" pitchFamily="2" charset="-122"/>
-                <a:ea typeface="华文楷体" pitchFamily="2" charset="-122"/>
-              </a:rPr>
-              <a:t>开发</a:t>
+              <a:t>以转账流程为例，准入层使开发人员只需关注业务的开发</a:t>
             </a:r>
             <a:r>
               <a:rPr lang="en-US" altLang="zh-CN" dirty="0" smtClean="0">
@@ -14028,19 +14343,7 @@
                 <a:latin typeface="华文楷体" pitchFamily="2" charset="-122"/>
                 <a:ea typeface="华文楷体" pitchFamily="2" charset="-122"/>
               </a:rPr>
-              <a:t>平台</a:t>
-            </a:r>
-            <a:r>
-              <a:rPr lang="zh-CN" altLang="en-US" dirty="0" smtClean="0">
-                <a:effectLst>
-                  <a:outerShdw blurRad="38100" dist="38100" dir="2700000" algn="tl">
-                    <a:srgbClr val="C0C0C0"/>
-                  </a:outerShdw>
-                </a:effectLst>
-                <a:latin typeface="华文楷体" pitchFamily="2" charset="-122"/>
-                <a:ea typeface="华文楷体" pitchFamily="2" charset="-122"/>
-              </a:rPr>
-              <a:t>交易开发工作量平均可减少</a:t>
+              <a:t>平台交易开发工作量平均可减少</a:t>
             </a:r>
             <a:r>
               <a:rPr lang="en-US" altLang="zh-CN" dirty="0" smtClean="0">
@@ -14122,15 +14425,15 @@
             <a:noFill/>
           </a:ln>
           <a:extLst>
-            <a:ext uri="{909E8E84-426E-40DD-AFC4-6F175D3DCCD1}">
-              <a14:hiddenFill xmlns="" xmlns:a14="http://schemas.microsoft.com/office/drawing/2010/main">
+            <a:ext uri="{909E8E84-426E-40dd-AFC4-6F175D3DCCD1}">
+              <a14:hiddenFill xmlns:a14="http://schemas.microsoft.com/office/drawing/2010/main">
                 <a:solidFill>
                   <a:srgbClr val="FFFFFF"/>
                 </a:solidFill>
               </a14:hiddenFill>
             </a:ext>
-            <a:ext uri="{91240B29-F687-4F45-9708-019B960494DF}">
-              <a14:hiddenLine xmlns="" xmlns:a14="http://schemas.microsoft.com/office/drawing/2010/main" w="9525">
+            <a:ext uri="{91240B29-F687-4f45-9708-019B960494DF}">
+              <a14:hiddenLine xmlns:a14="http://schemas.microsoft.com/office/drawing/2010/main" w="9525">
                 <a:solidFill>
                   <a:srgbClr val="000000"/>
                 </a:solidFill>
@@ -14280,7 +14583,7 @@
   <p:timing>
     <p:tnLst>
       <p:par>
-        <p:cTn id="1" dur="indefinite" restart="never" nodeType="tmRoot">
+        <p:cTn xmlns:p14="http://schemas.microsoft.com/office/powerpoint/2010/main" id="1" dur="indefinite" restart="never" nodeType="tmRoot">
           <p:childTnLst>
             <p:seq concurrent="1" nextAc="seek">
               <p:cTn id="2" dur="indefinite" nodeType="mainSeq">
@@ -14366,7 +14669,7 @@
 </p:sld>
 </file>
 
-<file path=ppt/slides/slide6.xml><?xml version="1.0" encoding="utf-8"?>
+<file path=ppt/slides/slide7.xml><?xml version="1.0" encoding="utf-8"?>
 <p:sld xmlns:a="http://schemas.openxmlformats.org/drawingml/2006/main" xmlns:r="http://schemas.openxmlformats.org/officeDocument/2006/relationships" xmlns:p="http://schemas.openxmlformats.org/presentationml/2006/main">
   <p:cSld>
     <p:spTree>
@@ -14512,478 +14815,15 @@
             <a:noFill/>
           </a:ln>
           <a:extLst>
-            <a:ext uri="{909E8E84-426E-40DD-AFC4-6F175D3DCCD1}">
-              <a14:hiddenFill xmlns="" xmlns:a14="http://schemas.microsoft.com/office/drawing/2010/main">
+            <a:ext uri="{909E8E84-426E-40dd-AFC4-6F175D3DCCD1}">
+              <a14:hiddenFill xmlns:a14="http://schemas.microsoft.com/office/drawing/2010/main">
                 <a:solidFill>
                   <a:srgbClr val="FFFFFF"/>
                 </a:solidFill>
               </a14:hiddenFill>
             </a:ext>
-            <a:ext uri="{91240B29-F687-4F45-9708-019B960494DF}">
-              <a14:hiddenLine xmlns="" xmlns:a14="http://schemas.microsoft.com/office/drawing/2010/main" w="9525">
-                <a:solidFill>
-                  <a:srgbClr val="000000"/>
-                </a:solidFill>
-                <a:miter lim="800000"/>
-                <a:headEnd/>
-                <a:tailEnd/>
-              </a14:hiddenLine>
-            </a:ext>
-          </a:extLst>
-        </p:spPr>
-        <p:txBody>
-          <a:bodyPr>
-            <a:spAutoFit/>
-          </a:bodyPr>
-          <a:lstStyle>
-            <a:lvl1pPr eaLnBrk="0" hangingPunct="0">
-              <a:defRPr>
-                <a:solidFill>
-                  <a:schemeClr val="tx1"/>
-                </a:solidFill>
-                <a:latin typeface="Calibri" pitchFamily="34" charset="0"/>
-                <a:ea typeface="宋体" pitchFamily="2" charset="-122"/>
-              </a:defRPr>
-            </a:lvl1pPr>
-            <a:lvl2pPr marL="742950" indent="-285750" eaLnBrk="0" hangingPunct="0">
-              <a:defRPr>
-                <a:solidFill>
-                  <a:schemeClr val="tx1"/>
-                </a:solidFill>
-                <a:latin typeface="Calibri" pitchFamily="34" charset="0"/>
-                <a:ea typeface="宋体" pitchFamily="2" charset="-122"/>
-              </a:defRPr>
-            </a:lvl2pPr>
-            <a:lvl3pPr marL="1143000" indent="-228600" eaLnBrk="0" hangingPunct="0">
-              <a:defRPr>
-                <a:solidFill>
-                  <a:schemeClr val="tx1"/>
-                </a:solidFill>
-                <a:latin typeface="Calibri" pitchFamily="34" charset="0"/>
-                <a:ea typeface="宋体" pitchFamily="2" charset="-122"/>
-              </a:defRPr>
-            </a:lvl3pPr>
-            <a:lvl4pPr marL="1600200" indent="-228600" eaLnBrk="0" hangingPunct="0">
-              <a:defRPr>
-                <a:solidFill>
-                  <a:schemeClr val="tx1"/>
-                </a:solidFill>
-                <a:latin typeface="Calibri" pitchFamily="34" charset="0"/>
-                <a:ea typeface="宋体" pitchFamily="2" charset="-122"/>
-              </a:defRPr>
-            </a:lvl4pPr>
-            <a:lvl5pPr marL="2057400" indent="-228600" eaLnBrk="0" hangingPunct="0">
-              <a:defRPr>
-                <a:solidFill>
-                  <a:schemeClr val="tx1"/>
-                </a:solidFill>
-                <a:latin typeface="Calibri" pitchFamily="34" charset="0"/>
-                <a:ea typeface="宋体" pitchFamily="2" charset="-122"/>
-              </a:defRPr>
-            </a:lvl5pPr>
-            <a:lvl6pPr marL="2514600" indent="-228600" eaLnBrk="0" fontAlgn="base" hangingPunct="0">
-              <a:spcBef>
-                <a:spcPct val="0"/>
-              </a:spcBef>
-              <a:spcAft>
-                <a:spcPct val="0"/>
-              </a:spcAft>
-              <a:defRPr>
-                <a:solidFill>
-                  <a:schemeClr val="tx1"/>
-                </a:solidFill>
-                <a:latin typeface="Calibri" pitchFamily="34" charset="0"/>
-                <a:ea typeface="宋体" pitchFamily="2" charset="-122"/>
-              </a:defRPr>
-            </a:lvl6pPr>
-            <a:lvl7pPr marL="2971800" indent="-228600" eaLnBrk="0" fontAlgn="base" hangingPunct="0">
-              <a:spcBef>
-                <a:spcPct val="0"/>
-              </a:spcBef>
-              <a:spcAft>
-                <a:spcPct val="0"/>
-              </a:spcAft>
-              <a:defRPr>
-                <a:solidFill>
-                  <a:schemeClr val="tx1"/>
-                </a:solidFill>
-                <a:latin typeface="Calibri" pitchFamily="34" charset="0"/>
-                <a:ea typeface="宋体" pitchFamily="2" charset="-122"/>
-              </a:defRPr>
-            </a:lvl7pPr>
-            <a:lvl8pPr marL="3429000" indent="-228600" eaLnBrk="0" fontAlgn="base" hangingPunct="0">
-              <a:spcBef>
-                <a:spcPct val="0"/>
-              </a:spcBef>
-              <a:spcAft>
-                <a:spcPct val="0"/>
-              </a:spcAft>
-              <a:defRPr>
-                <a:solidFill>
-                  <a:schemeClr val="tx1"/>
-                </a:solidFill>
-                <a:latin typeface="Calibri" pitchFamily="34" charset="0"/>
-                <a:ea typeface="宋体" pitchFamily="2" charset="-122"/>
-              </a:defRPr>
-            </a:lvl8pPr>
-            <a:lvl9pPr marL="3886200" indent="-228600" eaLnBrk="0" fontAlgn="base" hangingPunct="0">
-              <a:spcBef>
-                <a:spcPct val="0"/>
-              </a:spcBef>
-              <a:spcAft>
-                <a:spcPct val="0"/>
-              </a:spcAft>
-              <a:defRPr>
-                <a:solidFill>
-                  <a:schemeClr val="tx1"/>
-                </a:solidFill>
-                <a:latin typeface="Calibri" pitchFamily="34" charset="0"/>
-                <a:ea typeface="宋体" pitchFamily="2" charset="-122"/>
-              </a:defRPr>
-            </a:lvl9pPr>
-          </a:lstStyle>
-          <a:p>
-            <a:r>
-              <a:rPr lang="en-US" altLang="zh-CN" sz="2000" dirty="0" err="1" smtClean="0"/>
-              <a:t>Memcached</a:t>
-            </a:r>
-            <a:r>
-              <a:rPr lang="zh-CN" altLang="en-US" sz="2000" dirty="0" smtClean="0"/>
-              <a:t>简介</a:t>
-            </a:r>
-            <a:endParaRPr lang="en-US" altLang="zh-CN" sz="2000" dirty="0" smtClean="0"/>
-          </a:p>
-        </p:txBody>
-      </p:sp>
-      <p:pic>
-        <p:nvPicPr>
-          <p:cNvPr id="18" name="图片 17"/>
-          <p:cNvPicPr>
-            <a:picLocks noChangeAspect="1"/>
-          </p:cNvPicPr>
-          <p:nvPr/>
-        </p:nvPicPr>
-        <p:blipFill>
-          <a:blip r:embed="rId2"/>
-          <a:stretch>
-            <a:fillRect/>
-          </a:stretch>
-        </p:blipFill>
-        <p:spPr>
-          <a:xfrm>
-            <a:off x="357159" y="1785932"/>
-            <a:ext cx="7429551" cy="2857520"/>
-          </a:xfrm>
-          <a:prstGeom prst="rect">
-            <a:avLst/>
-          </a:prstGeom>
-        </p:spPr>
-      </p:pic>
-      <p:sp>
-        <p:nvSpPr>
-          <p:cNvPr id="19" name="文本框 4"/>
-          <p:cNvSpPr txBox="1"/>
-          <p:nvPr/>
-        </p:nvSpPr>
-        <p:spPr>
-          <a:xfrm>
-            <a:off x="606777" y="605369"/>
-            <a:ext cx="7041445" cy="1077218"/>
-          </a:xfrm>
-          <a:prstGeom prst="rect">
-            <a:avLst/>
-          </a:prstGeom>
-          <a:noFill/>
-        </p:spPr>
-        <p:txBody>
-          <a:bodyPr wrap="square" rtlCol="0">
-            <a:spAutoFit/>
-          </a:bodyPr>
-          <a:lstStyle/>
-          <a:p>
-            <a:pPr marL="285750" indent="-285750">
-              <a:buFont typeface="Arial"/>
-              <a:buChar char="•"/>
-            </a:pPr>
-            <a:r>
-              <a:rPr lang="zh-CN" altLang="en-US" sz="1600" dirty="0" smtClean="0"/>
-              <a:t>一套开源的分布式系统</a:t>
-            </a:r>
-            <a:endParaRPr lang="en-US" altLang="zh-CN" sz="1600" dirty="0" smtClean="0"/>
-          </a:p>
-          <a:p>
-            <a:pPr marL="285750" indent="-285750">
-              <a:buFont typeface="Arial"/>
-              <a:buChar char="•"/>
-            </a:pPr>
-            <a:r>
-              <a:rPr lang="zh-TW" altLang="en-US" sz="1600" dirty="0" smtClean="0"/>
-              <a:t>守护进</a:t>
-            </a:r>
-            <a:r>
-              <a:rPr lang="zh-TW" altLang="en-US" sz="1600" dirty="0"/>
-              <a:t>程（</a:t>
-            </a:r>
-            <a:r>
-              <a:rPr lang="en-US" altLang="zh-TW" sz="1600" dirty="0"/>
-              <a:t>daemon </a:t>
-            </a:r>
-            <a:r>
-              <a:rPr lang="zh-TW" altLang="en-US" sz="1600" dirty="0"/>
-              <a:t>）是用</a:t>
-            </a:r>
-            <a:r>
-              <a:rPr lang="en-US" altLang="zh-TW" sz="1600" dirty="0"/>
-              <a:t>C</a:t>
-            </a:r>
-            <a:r>
-              <a:rPr lang="zh-TW" altLang="en-US" sz="1600" dirty="0" smtClean="0"/>
-              <a:t>写的</a:t>
-            </a:r>
-            <a:r>
-              <a:rPr lang="en-US" altLang="zh-TW" sz="1600" dirty="0" smtClean="0"/>
-              <a:t> </a:t>
-            </a:r>
-            <a:r>
-              <a:rPr lang="zh-CN" altLang="en-US" sz="1600" dirty="0" smtClean="0"/>
-              <a:t>多平台兼容</a:t>
-            </a:r>
-            <a:endParaRPr lang="en-US" altLang="zh-CN" sz="1600" dirty="0" smtClean="0"/>
-          </a:p>
-          <a:p>
-            <a:pPr marL="285750" indent="-285750">
-              <a:buFont typeface="Arial"/>
-              <a:buChar char="•"/>
-            </a:pPr>
-            <a:r>
-              <a:rPr lang="zh-CN" altLang="en-US" sz="1600" dirty="0"/>
-              <a:t>基于</a:t>
-            </a:r>
-            <a:r>
-              <a:rPr lang="en-US" altLang="zh-CN" sz="1600" dirty="0"/>
-              <a:t>LRU(Least Recently Used)</a:t>
-            </a:r>
-            <a:r>
-              <a:rPr lang="zh-CN" altLang="en-US" sz="1600" dirty="0"/>
-              <a:t>算法自动删除</a:t>
-            </a:r>
-            <a:r>
-              <a:rPr lang="zh-CN" altLang="en-US" sz="1600" dirty="0" smtClean="0"/>
-              <a:t>不使用的缓存</a:t>
-            </a:r>
-            <a:endParaRPr lang="en-US" altLang="zh-CN" sz="1600" dirty="0" smtClean="0"/>
-          </a:p>
-          <a:p>
-            <a:pPr marL="285750" indent="-285750">
-              <a:buFont typeface="Arial"/>
-              <a:buChar char="•"/>
-            </a:pPr>
-            <a:r>
-              <a:rPr lang="en-US" altLang="zh-TW" sz="1600" dirty="0" err="1" smtClean="0"/>
-              <a:t>MemAdmin</a:t>
-            </a:r>
-            <a:r>
-              <a:rPr lang="zh-TW" altLang="en-US" sz="1600" dirty="0" smtClean="0"/>
-              <a:t>可视化</a:t>
-            </a:r>
-            <a:r>
-              <a:rPr lang="zh-TW" altLang="en-US" sz="1600" dirty="0"/>
-              <a:t>的</a:t>
-            </a:r>
-            <a:r>
-              <a:rPr lang="en-US" altLang="zh-TW" sz="1600" dirty="0" err="1"/>
-              <a:t>Memcached</a:t>
-            </a:r>
-            <a:r>
-              <a:rPr lang="zh-TW" altLang="en-US" sz="1600" dirty="0"/>
-              <a:t>管理与监控</a:t>
-            </a:r>
-            <a:r>
-              <a:rPr lang="zh-TW" altLang="en-US" sz="1600" dirty="0" smtClean="0"/>
-              <a:t>工具</a:t>
-            </a:r>
-            <a:endParaRPr lang="en-US" altLang="zh-CN" sz="1600" dirty="0" smtClean="0"/>
-          </a:p>
-        </p:txBody>
-      </p:sp>
-    </p:spTree>
-    <p:extLst>
-      <p:ext uri="{BB962C8B-B14F-4D97-AF65-F5344CB8AC3E}">
-        <p14:creationId xmlns="" xmlns:p14="http://schemas.microsoft.com/office/powerpoint/2010/main" val="3976038711"/>
-      </p:ext>
-    </p:extLst>
-  </p:cSld>
-  <p:clrMapOvr>
-    <a:masterClrMapping/>
-  </p:clrMapOvr>
-  <p:transition spd="slow">
-    <p:push/>
-  </p:transition>
-  <p:timing>
-    <p:tnLst>
-      <p:par>
-        <p:cTn id="1" dur="indefinite" restart="never" nodeType="tmRoot"/>
-      </p:par>
-    </p:tnLst>
-  </p:timing>
-</p:sld>
-</file>
-
-<file path=ppt/slides/slide7.xml><?xml version="1.0" encoding="utf-8"?>
-<p:sld xmlns:a="http://schemas.openxmlformats.org/drawingml/2006/main" xmlns:r="http://schemas.openxmlformats.org/officeDocument/2006/relationships" xmlns:p="http://schemas.openxmlformats.org/presentationml/2006/main">
-  <p:cSld>
-    <p:spTree>
-      <p:nvGrpSpPr>
-        <p:cNvPr id="1" name=""/>
-        <p:cNvGrpSpPr/>
-        <p:nvPr/>
-      </p:nvGrpSpPr>
-      <p:grpSpPr>
-        <a:xfrm>
-          <a:off x="0" y="0"/>
-          <a:ext cx="0" cy="0"/>
-          <a:chOff x="0" y="0"/>
-          <a:chExt cx="0" cy="0"/>
-        </a:xfrm>
-      </p:grpSpPr>
-      <p:sp>
-        <p:nvSpPr>
-          <p:cNvPr id="7" name="13 CuadroTexto"/>
-          <p:cNvSpPr txBox="1"/>
-          <p:nvPr/>
-        </p:nvSpPr>
-        <p:spPr>
-          <a:xfrm>
-            <a:off x="7667191" y="4823050"/>
-            <a:ext cx="341760" cy="276999"/>
-          </a:xfrm>
-          <a:prstGeom prst="rect">
-            <a:avLst/>
-          </a:prstGeom>
-          <a:noFill/>
-        </p:spPr>
-        <p:txBody>
-          <a:bodyPr wrap="none" rtlCol="0">
-            <a:spAutoFit/>
-          </a:bodyPr>
-          <a:lstStyle/>
-          <a:p>
-            <a:pPr algn="ctr"/>
-            <a:r>
-              <a:rPr lang="en-US" altLang="zh-CN" sz="1200" b="1" dirty="0" smtClean="0">
-                <a:solidFill>
-                  <a:srgbClr val="04AEDA"/>
-                </a:solidFill>
-              </a:rPr>
-              <a:t>13</a:t>
-            </a:r>
-            <a:endParaRPr lang="es-ES" sz="1200" b="1" dirty="0">
-              <a:solidFill>
-                <a:srgbClr val="04AEDA"/>
-              </a:solidFill>
-            </a:endParaRPr>
-          </a:p>
-        </p:txBody>
-      </p:sp>
-      <p:cxnSp>
-        <p:nvCxnSpPr>
-          <p:cNvPr id="9" name="直接连接符 8"/>
-          <p:cNvCxnSpPr/>
-          <p:nvPr/>
-        </p:nvCxnSpPr>
-        <p:spPr>
-          <a:xfrm flipH="1">
-            <a:off x="213965" y="561975"/>
-            <a:ext cx="3097958" cy="0"/>
-          </a:xfrm>
-          <a:prstGeom prst="line">
-            <a:avLst/>
-          </a:prstGeom>
-          <a:ln>
-            <a:solidFill>
-              <a:srgbClr val="00B0F0"/>
-            </a:solidFill>
-          </a:ln>
-        </p:spPr>
-        <p:style>
-          <a:lnRef idx="1">
-            <a:schemeClr val="accent1"/>
-          </a:lnRef>
-          <a:fillRef idx="0">
-            <a:schemeClr val="accent1"/>
-          </a:fillRef>
-          <a:effectRef idx="0">
-            <a:schemeClr val="accent1"/>
-          </a:effectRef>
-          <a:fontRef idx="minor">
-            <a:schemeClr val="tx1"/>
-          </a:fontRef>
-        </p:style>
-      </p:cxnSp>
-      <p:sp>
-        <p:nvSpPr>
-          <p:cNvPr id="10" name="Rectangle 7"/>
-          <p:cNvSpPr>
-            <a:spLocks noChangeArrowheads="1"/>
-          </p:cNvSpPr>
-          <p:nvPr/>
-        </p:nvSpPr>
-        <p:spPr bwMode="auto">
-          <a:xfrm>
-            <a:off x="0" y="523876"/>
-            <a:ext cx="215900" cy="71438"/>
-          </a:xfrm>
-          <a:prstGeom prst="rect">
-            <a:avLst/>
-          </a:prstGeom>
-          <a:solidFill>
-            <a:srgbClr val="00B0F0"/>
-          </a:solidFill>
-          <a:ln w="9525">
-            <a:noFill/>
-            <a:miter lim="800000"/>
-            <a:headEnd/>
-            <a:tailEnd/>
-          </a:ln>
-        </p:spPr>
-        <p:txBody>
-          <a:bodyPr wrap="none" anchor="ctr"/>
-          <a:lstStyle/>
-          <a:p>
-            <a:endParaRPr lang="zh-CN" altLang="en-US"/>
-          </a:p>
-        </p:txBody>
-      </p:sp>
-      <p:sp>
-        <p:nvSpPr>
-          <p:cNvPr id="11" name="TextBox 5"/>
-          <p:cNvSpPr txBox="1">
-            <a:spLocks noChangeArrowheads="1"/>
-          </p:cNvSpPr>
-          <p:nvPr/>
-        </p:nvSpPr>
-        <p:spPr bwMode="auto">
-          <a:xfrm>
-            <a:off x="560314" y="193675"/>
-            <a:ext cx="2555875" cy="400110"/>
-          </a:xfrm>
-          <a:prstGeom prst="rect">
-            <a:avLst/>
-          </a:prstGeom>
-          <a:noFill/>
-          <a:ln>
-            <a:noFill/>
-          </a:ln>
-          <a:extLst>
-            <a:ext uri="{909E8E84-426E-40DD-AFC4-6F175D3DCCD1}">
-              <a14:hiddenFill xmlns="" xmlns:a14="http://schemas.microsoft.com/office/drawing/2010/main">
-                <a:solidFill>
-                  <a:srgbClr val="FFFFFF"/>
-                </a:solidFill>
-              </a14:hiddenFill>
-            </a:ext>
-            <a:ext uri="{91240B29-F687-4F45-9708-019B960494DF}">
-              <a14:hiddenLine xmlns="" xmlns:a14="http://schemas.microsoft.com/office/drawing/2010/main" w="9525">
+            <a:ext uri="{91240B29-F687-4f45-9708-019B960494DF}">
+              <a14:hiddenLine xmlns:a14="http://schemas.microsoft.com/office/drawing/2010/main" w="9525">
                 <a:solidFill>
                   <a:srgbClr val="000000"/>
                 </a:solidFill>
@@ -15796,20 +15636,20 @@
     </p:spTree>
     <p:extLst>
       <p:ext uri="{BB962C8B-B14F-4D97-AF65-F5344CB8AC3E}">
-        <p14:creationId xmlns="" xmlns:p14="http://schemas.microsoft.com/office/powerpoint/2010/main" val="3976038711"/>
+        <p14:creationId xmlns:p14="http://schemas.microsoft.com/office/powerpoint/2010/main" val="3976038711"/>
       </p:ext>
     </p:extLst>
   </p:cSld>
   <p:clrMapOvr>
     <a:masterClrMapping/>
   </p:clrMapOvr>
-  <p:transition spd="slow">
+  <p:transition xmlns:p14="http://schemas.microsoft.com/office/powerpoint/2010/main" spd="slow">
     <p:push/>
   </p:transition>
   <p:timing>
     <p:tnLst>
       <p:par>
-        <p:cTn id="1" dur="indefinite" restart="never" nodeType="tmRoot"/>
+        <p:cTn xmlns:p14="http://schemas.microsoft.com/office/powerpoint/2010/main" id="1" dur="indefinite" restart="never" nodeType="tmRoot"/>
       </p:par>
     </p:tnLst>
   </p:timing>
@@ -15817,6 +15657,469 @@
 </file>
 
 <file path=ppt/slides/slide8.xml><?xml version="1.0" encoding="utf-8"?>
+<p:sld xmlns:a="http://schemas.openxmlformats.org/drawingml/2006/main" xmlns:r="http://schemas.openxmlformats.org/officeDocument/2006/relationships" xmlns:p="http://schemas.openxmlformats.org/presentationml/2006/main">
+  <p:cSld>
+    <p:spTree>
+      <p:nvGrpSpPr>
+        <p:cNvPr id="1" name=""/>
+        <p:cNvGrpSpPr/>
+        <p:nvPr/>
+      </p:nvGrpSpPr>
+      <p:grpSpPr>
+        <a:xfrm>
+          <a:off x="0" y="0"/>
+          <a:ext cx="0" cy="0"/>
+          <a:chOff x="0" y="0"/>
+          <a:chExt cx="0" cy="0"/>
+        </a:xfrm>
+      </p:grpSpPr>
+      <p:sp>
+        <p:nvSpPr>
+          <p:cNvPr id="7" name="13 CuadroTexto"/>
+          <p:cNvSpPr txBox="1"/>
+          <p:nvPr/>
+        </p:nvSpPr>
+        <p:spPr>
+          <a:xfrm>
+            <a:off x="7667191" y="4823050"/>
+            <a:ext cx="341760" cy="276999"/>
+          </a:xfrm>
+          <a:prstGeom prst="rect">
+            <a:avLst/>
+          </a:prstGeom>
+          <a:noFill/>
+        </p:spPr>
+        <p:txBody>
+          <a:bodyPr wrap="none" rtlCol="0">
+            <a:spAutoFit/>
+          </a:bodyPr>
+          <a:lstStyle/>
+          <a:p>
+            <a:pPr algn="ctr"/>
+            <a:r>
+              <a:rPr lang="en-US" altLang="zh-CN" sz="1200" b="1" dirty="0" smtClean="0">
+                <a:solidFill>
+                  <a:srgbClr val="04AEDA"/>
+                </a:solidFill>
+              </a:rPr>
+              <a:t>13</a:t>
+            </a:r>
+            <a:endParaRPr lang="es-ES" sz="1200" b="1" dirty="0">
+              <a:solidFill>
+                <a:srgbClr val="04AEDA"/>
+              </a:solidFill>
+            </a:endParaRPr>
+          </a:p>
+        </p:txBody>
+      </p:sp>
+      <p:cxnSp>
+        <p:nvCxnSpPr>
+          <p:cNvPr id="9" name="直接连接符 8"/>
+          <p:cNvCxnSpPr/>
+          <p:nvPr/>
+        </p:nvCxnSpPr>
+        <p:spPr>
+          <a:xfrm flipH="1">
+            <a:off x="213965" y="561975"/>
+            <a:ext cx="3097958" cy="0"/>
+          </a:xfrm>
+          <a:prstGeom prst="line">
+            <a:avLst/>
+          </a:prstGeom>
+          <a:ln>
+            <a:solidFill>
+              <a:srgbClr val="00B0F0"/>
+            </a:solidFill>
+          </a:ln>
+        </p:spPr>
+        <p:style>
+          <a:lnRef idx="1">
+            <a:schemeClr val="accent1"/>
+          </a:lnRef>
+          <a:fillRef idx="0">
+            <a:schemeClr val="accent1"/>
+          </a:fillRef>
+          <a:effectRef idx="0">
+            <a:schemeClr val="accent1"/>
+          </a:effectRef>
+          <a:fontRef idx="minor">
+            <a:schemeClr val="tx1"/>
+          </a:fontRef>
+        </p:style>
+      </p:cxnSp>
+      <p:sp>
+        <p:nvSpPr>
+          <p:cNvPr id="10" name="Rectangle 7"/>
+          <p:cNvSpPr>
+            <a:spLocks noChangeArrowheads="1"/>
+          </p:cNvSpPr>
+          <p:nvPr/>
+        </p:nvSpPr>
+        <p:spPr bwMode="auto">
+          <a:xfrm>
+            <a:off x="0" y="523876"/>
+            <a:ext cx="215900" cy="71438"/>
+          </a:xfrm>
+          <a:prstGeom prst="rect">
+            <a:avLst/>
+          </a:prstGeom>
+          <a:solidFill>
+            <a:srgbClr val="00B0F0"/>
+          </a:solidFill>
+          <a:ln w="9525">
+            <a:noFill/>
+            <a:miter lim="800000"/>
+            <a:headEnd/>
+            <a:tailEnd/>
+          </a:ln>
+        </p:spPr>
+        <p:txBody>
+          <a:bodyPr wrap="none" anchor="ctr"/>
+          <a:lstStyle/>
+          <a:p>
+            <a:endParaRPr lang="zh-CN" altLang="en-US"/>
+          </a:p>
+        </p:txBody>
+      </p:sp>
+      <p:sp>
+        <p:nvSpPr>
+          <p:cNvPr id="11" name="TextBox 5"/>
+          <p:cNvSpPr txBox="1">
+            <a:spLocks noChangeArrowheads="1"/>
+          </p:cNvSpPr>
+          <p:nvPr/>
+        </p:nvSpPr>
+        <p:spPr bwMode="auto">
+          <a:xfrm>
+            <a:off x="560314" y="193675"/>
+            <a:ext cx="2555875" cy="400110"/>
+          </a:xfrm>
+          <a:prstGeom prst="rect">
+            <a:avLst/>
+          </a:prstGeom>
+          <a:noFill/>
+          <a:ln>
+            <a:noFill/>
+          </a:ln>
+          <a:extLst>
+            <a:ext uri="{909E8E84-426E-40dd-AFC4-6F175D3DCCD1}">
+              <a14:hiddenFill xmlns:a14="http://schemas.microsoft.com/office/drawing/2010/main">
+                <a:solidFill>
+                  <a:srgbClr val="FFFFFF"/>
+                </a:solidFill>
+              </a14:hiddenFill>
+            </a:ext>
+            <a:ext uri="{91240B29-F687-4f45-9708-019B960494DF}">
+              <a14:hiddenLine xmlns:a14="http://schemas.microsoft.com/office/drawing/2010/main" w="9525">
+                <a:solidFill>
+                  <a:srgbClr val="000000"/>
+                </a:solidFill>
+                <a:miter lim="800000"/>
+                <a:headEnd/>
+                <a:tailEnd/>
+              </a14:hiddenLine>
+            </a:ext>
+          </a:extLst>
+        </p:spPr>
+        <p:txBody>
+          <a:bodyPr>
+            <a:spAutoFit/>
+          </a:bodyPr>
+          <a:lstStyle>
+            <a:lvl1pPr eaLnBrk="0" hangingPunct="0">
+              <a:defRPr>
+                <a:solidFill>
+                  <a:schemeClr val="tx1"/>
+                </a:solidFill>
+                <a:latin typeface="Calibri" pitchFamily="34" charset="0"/>
+                <a:ea typeface="宋体" pitchFamily="2" charset="-122"/>
+              </a:defRPr>
+            </a:lvl1pPr>
+            <a:lvl2pPr marL="742950" indent="-285750" eaLnBrk="0" hangingPunct="0">
+              <a:defRPr>
+                <a:solidFill>
+                  <a:schemeClr val="tx1"/>
+                </a:solidFill>
+                <a:latin typeface="Calibri" pitchFamily="34" charset="0"/>
+                <a:ea typeface="宋体" pitchFamily="2" charset="-122"/>
+              </a:defRPr>
+            </a:lvl2pPr>
+            <a:lvl3pPr marL="1143000" indent="-228600" eaLnBrk="0" hangingPunct="0">
+              <a:defRPr>
+                <a:solidFill>
+                  <a:schemeClr val="tx1"/>
+                </a:solidFill>
+                <a:latin typeface="Calibri" pitchFamily="34" charset="0"/>
+                <a:ea typeface="宋体" pitchFamily="2" charset="-122"/>
+              </a:defRPr>
+            </a:lvl3pPr>
+            <a:lvl4pPr marL="1600200" indent="-228600" eaLnBrk="0" hangingPunct="0">
+              <a:defRPr>
+                <a:solidFill>
+                  <a:schemeClr val="tx1"/>
+                </a:solidFill>
+                <a:latin typeface="Calibri" pitchFamily="34" charset="0"/>
+                <a:ea typeface="宋体" pitchFamily="2" charset="-122"/>
+              </a:defRPr>
+            </a:lvl4pPr>
+            <a:lvl5pPr marL="2057400" indent="-228600" eaLnBrk="0" hangingPunct="0">
+              <a:defRPr>
+                <a:solidFill>
+                  <a:schemeClr val="tx1"/>
+                </a:solidFill>
+                <a:latin typeface="Calibri" pitchFamily="34" charset="0"/>
+                <a:ea typeface="宋体" pitchFamily="2" charset="-122"/>
+              </a:defRPr>
+            </a:lvl5pPr>
+            <a:lvl6pPr marL="2514600" indent="-228600" eaLnBrk="0" fontAlgn="base" hangingPunct="0">
+              <a:spcBef>
+                <a:spcPct val="0"/>
+              </a:spcBef>
+              <a:spcAft>
+                <a:spcPct val="0"/>
+              </a:spcAft>
+              <a:defRPr>
+                <a:solidFill>
+                  <a:schemeClr val="tx1"/>
+                </a:solidFill>
+                <a:latin typeface="Calibri" pitchFamily="34" charset="0"/>
+                <a:ea typeface="宋体" pitchFamily="2" charset="-122"/>
+              </a:defRPr>
+            </a:lvl6pPr>
+            <a:lvl7pPr marL="2971800" indent="-228600" eaLnBrk="0" fontAlgn="base" hangingPunct="0">
+              <a:spcBef>
+                <a:spcPct val="0"/>
+              </a:spcBef>
+              <a:spcAft>
+                <a:spcPct val="0"/>
+              </a:spcAft>
+              <a:defRPr>
+                <a:solidFill>
+                  <a:schemeClr val="tx1"/>
+                </a:solidFill>
+                <a:latin typeface="Calibri" pitchFamily="34" charset="0"/>
+                <a:ea typeface="宋体" pitchFamily="2" charset="-122"/>
+              </a:defRPr>
+            </a:lvl7pPr>
+            <a:lvl8pPr marL="3429000" indent="-228600" eaLnBrk="0" fontAlgn="base" hangingPunct="0">
+              <a:spcBef>
+                <a:spcPct val="0"/>
+              </a:spcBef>
+              <a:spcAft>
+                <a:spcPct val="0"/>
+              </a:spcAft>
+              <a:defRPr>
+                <a:solidFill>
+                  <a:schemeClr val="tx1"/>
+                </a:solidFill>
+                <a:latin typeface="Calibri" pitchFamily="34" charset="0"/>
+                <a:ea typeface="宋体" pitchFamily="2" charset="-122"/>
+              </a:defRPr>
+            </a:lvl8pPr>
+            <a:lvl9pPr marL="3886200" indent="-228600" eaLnBrk="0" fontAlgn="base" hangingPunct="0">
+              <a:spcBef>
+                <a:spcPct val="0"/>
+              </a:spcBef>
+              <a:spcAft>
+                <a:spcPct val="0"/>
+              </a:spcAft>
+              <a:defRPr>
+                <a:solidFill>
+                  <a:schemeClr val="tx1"/>
+                </a:solidFill>
+                <a:latin typeface="Calibri" pitchFamily="34" charset="0"/>
+                <a:ea typeface="宋体" pitchFamily="2" charset="-122"/>
+              </a:defRPr>
+            </a:lvl9pPr>
+          </a:lstStyle>
+          <a:p>
+            <a:r>
+              <a:rPr lang="en-US" altLang="zh-CN" sz="2000" dirty="0" err="1" smtClean="0"/>
+              <a:t>Memcached</a:t>
+            </a:r>
+            <a:r>
+              <a:rPr lang="zh-CN" altLang="en-US" sz="2000" dirty="0" smtClean="0"/>
+              <a:t>简介</a:t>
+            </a:r>
+            <a:endParaRPr lang="en-US" altLang="zh-CN" sz="2000" dirty="0" smtClean="0"/>
+          </a:p>
+        </p:txBody>
+      </p:sp>
+      <p:pic>
+        <p:nvPicPr>
+          <p:cNvPr id="18" name="图片 17"/>
+          <p:cNvPicPr>
+            <a:picLocks noChangeAspect="1"/>
+          </p:cNvPicPr>
+          <p:nvPr/>
+        </p:nvPicPr>
+        <p:blipFill>
+          <a:blip r:embed="rId2"/>
+          <a:stretch>
+            <a:fillRect/>
+          </a:stretch>
+        </p:blipFill>
+        <p:spPr>
+          <a:xfrm>
+            <a:off x="611560" y="1923678"/>
+            <a:ext cx="7030660" cy="2448272"/>
+          </a:xfrm>
+          <a:prstGeom prst="rect">
+            <a:avLst/>
+          </a:prstGeom>
+        </p:spPr>
+      </p:pic>
+      <p:sp>
+        <p:nvSpPr>
+          <p:cNvPr id="19" name="文本框 4"/>
+          <p:cNvSpPr txBox="1"/>
+          <p:nvPr/>
+        </p:nvSpPr>
+        <p:spPr>
+          <a:xfrm>
+            <a:off x="606777" y="605369"/>
+            <a:ext cx="7041445" cy="1077218"/>
+          </a:xfrm>
+          <a:prstGeom prst="rect">
+            <a:avLst/>
+          </a:prstGeom>
+          <a:noFill/>
+        </p:spPr>
+        <p:txBody>
+          <a:bodyPr wrap="square" rtlCol="0">
+            <a:spAutoFit/>
+          </a:bodyPr>
+          <a:lstStyle/>
+          <a:p>
+            <a:pPr marL="285750" indent="-285750">
+              <a:buFont typeface="Arial"/>
+              <a:buChar char="•"/>
+            </a:pPr>
+            <a:r>
+              <a:rPr lang="zh-CN" altLang="en-US" sz="1600" dirty="0" smtClean="0"/>
+              <a:t>一套开源的分布式系统</a:t>
+            </a:r>
+            <a:endParaRPr lang="en-US" altLang="zh-CN" sz="1600" dirty="0" smtClean="0"/>
+          </a:p>
+          <a:p>
+            <a:pPr marL="285750" indent="-285750">
+              <a:buFont typeface="Arial"/>
+              <a:buChar char="•"/>
+            </a:pPr>
+            <a:r>
+              <a:rPr lang="zh-TW" altLang="en-US" sz="1600" dirty="0" smtClean="0"/>
+              <a:t>守护进</a:t>
+            </a:r>
+            <a:r>
+              <a:rPr lang="zh-TW" altLang="en-US" sz="1600" dirty="0"/>
+              <a:t>程（</a:t>
+            </a:r>
+            <a:r>
+              <a:rPr lang="en-US" altLang="zh-TW" sz="1600" dirty="0"/>
+              <a:t>daemon </a:t>
+            </a:r>
+            <a:r>
+              <a:rPr lang="zh-TW" altLang="en-US" sz="1600" dirty="0"/>
+              <a:t>）是用</a:t>
+            </a:r>
+            <a:r>
+              <a:rPr lang="en-US" altLang="zh-TW" sz="1600" dirty="0"/>
+              <a:t>C</a:t>
+            </a:r>
+            <a:r>
+              <a:rPr lang="zh-TW" altLang="en-US" sz="1600" dirty="0" smtClean="0"/>
+              <a:t>写的</a:t>
+            </a:r>
+            <a:r>
+              <a:rPr lang="en-US" altLang="zh-TW" sz="1600" dirty="0" smtClean="0"/>
+              <a:t> </a:t>
+            </a:r>
+            <a:r>
+              <a:rPr lang="zh-CN" altLang="en-US" sz="1600" dirty="0" smtClean="0"/>
+              <a:t>多平台兼容</a:t>
+            </a:r>
+            <a:endParaRPr lang="en-US" altLang="zh-CN" sz="1600" dirty="0" smtClean="0"/>
+          </a:p>
+          <a:p>
+            <a:pPr marL="285750" indent="-285750">
+              <a:buFont typeface="Arial"/>
+              <a:buChar char="•"/>
+            </a:pPr>
+            <a:r>
+              <a:rPr lang="zh-CN" altLang="en-US" sz="1600" dirty="0"/>
+              <a:t>基于</a:t>
+            </a:r>
+            <a:r>
+              <a:rPr lang="en-US" altLang="zh-CN" sz="1600" dirty="0"/>
+              <a:t>LRU(Least Recently Used)</a:t>
+            </a:r>
+            <a:r>
+              <a:rPr lang="zh-CN" altLang="en-US" sz="1600" dirty="0"/>
+              <a:t>算法自动删除</a:t>
+            </a:r>
+            <a:r>
+              <a:rPr lang="zh-CN" altLang="en-US" sz="1600" dirty="0" smtClean="0"/>
+              <a:t>不使用的缓存</a:t>
+            </a:r>
+            <a:endParaRPr lang="en-US" altLang="zh-CN" sz="1600" dirty="0" smtClean="0"/>
+          </a:p>
+          <a:p>
+            <a:pPr marL="285750" indent="-285750">
+              <a:buFont typeface="Arial"/>
+              <a:buChar char="•"/>
+            </a:pPr>
+            <a:r>
+              <a:rPr lang="en-US" altLang="zh-TW" sz="1600" dirty="0" err="1" smtClean="0"/>
+              <a:t>MemAdmin</a:t>
+            </a:r>
+            <a:r>
+              <a:rPr lang="zh-TW" altLang="en-US" sz="1600" dirty="0" smtClean="0"/>
+              <a:t>可视化</a:t>
+            </a:r>
+            <a:r>
+              <a:rPr lang="zh-TW" altLang="en-US" sz="1600" dirty="0"/>
+              <a:t>的</a:t>
+            </a:r>
+            <a:r>
+              <a:rPr lang="en-US" altLang="zh-TW" sz="1600" dirty="0" err="1"/>
+              <a:t>Memcached</a:t>
+            </a:r>
+            <a:r>
+              <a:rPr lang="zh-TW" altLang="en-US" sz="1600" dirty="0"/>
+              <a:t>管理与监控</a:t>
+            </a:r>
+            <a:r>
+              <a:rPr lang="zh-TW" altLang="en-US" sz="1600" dirty="0" smtClean="0"/>
+              <a:t>工具</a:t>
+            </a:r>
+            <a:endParaRPr lang="en-US" altLang="zh-CN" sz="1600" dirty="0" smtClean="0"/>
+          </a:p>
+        </p:txBody>
+      </p:sp>
+    </p:spTree>
+    <p:extLst>
+      <p:ext uri="{BB962C8B-B14F-4D97-AF65-F5344CB8AC3E}">
+        <p14:creationId xmlns:p14="http://schemas.microsoft.com/office/powerpoint/2010/main" val="3976038711"/>
+      </p:ext>
+    </p:extLst>
+  </p:cSld>
+  <p:clrMapOvr>
+    <a:masterClrMapping/>
+  </p:clrMapOvr>
+  <p:transition xmlns:p14="http://schemas.microsoft.com/office/powerpoint/2010/main" spd="slow">
+    <p:push/>
+  </p:transition>
+  <p:timing>
+    <p:tnLst>
+      <p:par>
+        <p:cTn xmlns:p14="http://schemas.microsoft.com/office/powerpoint/2010/main" id="1" dur="indefinite" restart="never" nodeType="tmRoot"/>
+      </p:par>
+    </p:tnLst>
+  </p:timing>
+</p:sld>
+</file>
+
+<file path=ppt/slides/slide9.xml><?xml version="1.0" encoding="utf-8"?>
 <p:sld xmlns:a="http://schemas.openxmlformats.org/drawingml/2006/main" xmlns:r="http://schemas.openxmlformats.org/officeDocument/2006/relationships" xmlns:p="http://schemas.openxmlformats.org/presentationml/2006/main">
   <p:cSld>
     <p:spTree>
@@ -17291,15 +17594,15 @@
             <a:noFill/>
           </a:ln>
           <a:extLst>
-            <a:ext uri="{909E8E84-426E-40DD-AFC4-6F175D3DCCD1}">
-              <a14:hiddenFill xmlns="" xmlns:a14="http://schemas.microsoft.com/office/drawing/2010/main">
+            <a:ext uri="{909E8E84-426E-40dd-AFC4-6F175D3DCCD1}">
+              <a14:hiddenFill xmlns:a14="http://schemas.microsoft.com/office/drawing/2010/main">
                 <a:solidFill>
                   <a:srgbClr val="FFFFFF"/>
                 </a:solidFill>
               </a14:hiddenFill>
             </a:ext>
-            <a:ext uri="{91240B29-F687-4F45-9708-019B960494DF}">
-              <a14:hiddenLine xmlns="" xmlns:a14="http://schemas.microsoft.com/office/drawing/2010/main" w="9525">
+            <a:ext uri="{91240B29-F687-4f45-9708-019B960494DF}">
+              <a14:hiddenLine xmlns:a14="http://schemas.microsoft.com/office/drawing/2010/main" w="9525">
                 <a:solidFill>
                   <a:srgbClr val="000000"/>
                 </a:solidFill>
@@ -18462,20 +18765,20 @@
     </p:spTree>
     <p:extLst>
       <p:ext uri="{BB962C8B-B14F-4D97-AF65-F5344CB8AC3E}">
-        <p14:creationId xmlns="" xmlns:p14="http://schemas.microsoft.com/office/powerpoint/2010/main" val="2290824470"/>
+        <p14:creationId xmlns:p14="http://schemas.microsoft.com/office/powerpoint/2010/main" val="2290824470"/>
       </p:ext>
     </p:extLst>
   </p:cSld>
   <p:clrMapOvr>
     <a:masterClrMapping/>
   </p:clrMapOvr>
-  <p:transition spd="slow">
+  <p:transition xmlns:p14="http://schemas.microsoft.com/office/powerpoint/2010/main" spd="slow">
     <p:push dir="r"/>
   </p:transition>
   <p:timing>
     <p:tnLst>
       <p:par>
-        <p:cTn id="1" dur="indefinite" restart="never" nodeType="tmRoot">
+        <p:cTn xmlns:p14="http://schemas.microsoft.com/office/powerpoint/2010/main" id="1" dur="indefinite" restart="never" nodeType="tmRoot">
           <p:childTnLst>
             <p:seq concurrent="1" nextAc="seek">
               <p:cTn id="2" dur="indefinite" nodeType="mainSeq">
